--- a/数据库 DZ1533016 刘子凡.pptx
+++ b/数据库 DZ1533016 刘子凡.pptx
@@ -30,6 +30,22 @@
     <p:sldId id="279" r:id="rId24"/>
     <p:sldId id="278" r:id="rId25"/>
     <p:sldId id="280" r:id="rId26"/>
+    <p:sldId id="281" r:id="rId27"/>
+    <p:sldId id="282" r:id="rId28"/>
+    <p:sldId id="283" r:id="rId29"/>
+    <p:sldId id="284" r:id="rId30"/>
+    <p:sldId id="285" r:id="rId31"/>
+    <p:sldId id="286" r:id="rId32"/>
+    <p:sldId id="287" r:id="rId33"/>
+    <p:sldId id="288" r:id="rId34"/>
+    <p:sldId id="289" r:id="rId35"/>
+    <p:sldId id="290" r:id="rId36"/>
+    <p:sldId id="291" r:id="rId37"/>
+    <p:sldId id="292" r:id="rId38"/>
+    <p:sldId id="293" r:id="rId39"/>
+    <p:sldId id="294" r:id="rId40"/>
+    <p:sldId id="295" r:id="rId41"/>
+    <p:sldId id="296" r:id="rId42"/>
   </p:sldIdLst>
   <p:sldSz cx="12192000" cy="6858000"/>
   <p:notesSz cx="6858000" cy="9144000"/>
@@ -858,7 +874,7 @@
           <a:p>
             <a:fld id="{F8CC1388-37FF-4ABA-9459-BA2637395AE9}" type="datetimeFigureOut">
               <a:rPr lang="en-US" smtClean="0"/>
-              <a:t>6/18/2018</a:t>
+              <a:t>6/19/2018</a:t>
             </a:fld>
             <a:endParaRPr lang="en-US"/>
           </a:p>
@@ -1109,7 +1125,7 @@
           <a:p>
             <a:fld id="{F8CC1388-37FF-4ABA-9459-BA2637395AE9}" type="datetimeFigureOut">
               <a:rPr lang="en-US" smtClean="0"/>
-              <a:t>6/18/2018</a:t>
+              <a:t>6/19/2018</a:t>
             </a:fld>
             <a:endParaRPr lang="en-US"/>
           </a:p>
@@ -1423,7 +1439,7 @@
           <a:p>
             <a:fld id="{F8CC1388-37FF-4ABA-9459-BA2637395AE9}" type="datetimeFigureOut">
               <a:rPr lang="en-US" smtClean="0"/>
-              <a:t>6/18/2018</a:t>
+              <a:t>6/19/2018</a:t>
             </a:fld>
             <a:endParaRPr lang="en-US"/>
           </a:p>
@@ -1764,7 +1780,7 @@
           <a:p>
             <a:fld id="{F8CC1388-37FF-4ABA-9459-BA2637395AE9}" type="datetimeFigureOut">
               <a:rPr lang="en-US" smtClean="0"/>
-              <a:t>6/18/2018</a:t>
+              <a:t>6/19/2018</a:t>
             </a:fld>
             <a:endParaRPr lang="en-US"/>
           </a:p>
@@ -2078,7 +2094,7 @@
           <a:p>
             <a:fld id="{F8CC1388-37FF-4ABA-9459-BA2637395AE9}" type="datetimeFigureOut">
               <a:rPr lang="en-US" smtClean="0"/>
-              <a:t>6/18/2018</a:t>
+              <a:t>6/19/2018</a:t>
             </a:fld>
             <a:endParaRPr lang="en-US"/>
           </a:p>
@@ -2471,7 +2487,7 @@
           <a:p>
             <a:fld id="{F8CC1388-37FF-4ABA-9459-BA2637395AE9}" type="datetimeFigureOut">
               <a:rPr lang="en-US" smtClean="0"/>
-              <a:t>6/18/2018</a:t>
+              <a:t>6/19/2018</a:t>
             </a:fld>
             <a:endParaRPr lang="en-US"/>
           </a:p>
@@ -2641,7 +2657,7 @@
           <a:p>
             <a:fld id="{F8CC1388-37FF-4ABA-9459-BA2637395AE9}" type="datetimeFigureOut">
               <a:rPr lang="en-US" smtClean="0"/>
-              <a:t>6/18/2018</a:t>
+              <a:t>6/19/2018</a:t>
             </a:fld>
             <a:endParaRPr lang="en-US"/>
           </a:p>
@@ -2821,7 +2837,7 @@
           <a:p>
             <a:fld id="{F8CC1388-37FF-4ABA-9459-BA2637395AE9}" type="datetimeFigureOut">
               <a:rPr lang="en-US" smtClean="0"/>
-              <a:t>6/18/2018</a:t>
+              <a:t>6/19/2018</a:t>
             </a:fld>
             <a:endParaRPr lang="en-US"/>
           </a:p>
@@ -2997,7 +3013,7 @@
           <a:p>
             <a:fld id="{F8CC1388-37FF-4ABA-9459-BA2637395AE9}" type="datetimeFigureOut">
               <a:rPr lang="en-US" smtClean="0"/>
-              <a:t>6/18/2018</a:t>
+              <a:t>6/19/2018</a:t>
             </a:fld>
             <a:endParaRPr lang="en-US"/>
           </a:p>
@@ -3244,7 +3260,7 @@
           <a:p>
             <a:fld id="{F8CC1388-37FF-4ABA-9459-BA2637395AE9}" type="datetimeFigureOut">
               <a:rPr lang="en-US" smtClean="0"/>
-              <a:t>6/18/2018</a:t>
+              <a:t>6/19/2018</a:t>
             </a:fld>
             <a:endParaRPr lang="en-US"/>
           </a:p>
@@ -3476,7 +3492,7 @@
           <a:p>
             <a:fld id="{F8CC1388-37FF-4ABA-9459-BA2637395AE9}" type="datetimeFigureOut">
               <a:rPr lang="en-US" smtClean="0"/>
-              <a:t>6/18/2018</a:t>
+              <a:t>6/19/2018</a:t>
             </a:fld>
             <a:endParaRPr lang="en-US"/>
           </a:p>
@@ -3850,7 +3866,7 @@
           <a:p>
             <a:fld id="{F8CC1388-37FF-4ABA-9459-BA2637395AE9}" type="datetimeFigureOut">
               <a:rPr lang="en-US" smtClean="0"/>
-              <a:t>6/18/2018</a:t>
+              <a:t>6/19/2018</a:t>
             </a:fld>
             <a:endParaRPr lang="en-US"/>
           </a:p>
@@ -3973,7 +3989,7 @@
           <a:p>
             <a:fld id="{F8CC1388-37FF-4ABA-9459-BA2637395AE9}" type="datetimeFigureOut">
               <a:rPr lang="en-US" smtClean="0"/>
-              <a:t>6/18/2018</a:t>
+              <a:t>6/19/2018</a:t>
             </a:fld>
             <a:endParaRPr lang="en-US"/>
           </a:p>
@@ -4068,7 +4084,7 @@
           <a:p>
             <a:fld id="{F8CC1388-37FF-4ABA-9459-BA2637395AE9}" type="datetimeFigureOut">
               <a:rPr lang="en-US" smtClean="0"/>
-              <a:t>6/18/2018</a:t>
+              <a:t>6/19/2018</a:t>
             </a:fld>
             <a:endParaRPr lang="en-US"/>
           </a:p>
@@ -4323,7 +4339,7 @@
           <a:p>
             <a:fld id="{F8CC1388-37FF-4ABA-9459-BA2637395AE9}" type="datetimeFigureOut">
               <a:rPr lang="en-US" smtClean="0"/>
-              <a:t>6/18/2018</a:t>
+              <a:t>6/19/2018</a:t>
             </a:fld>
             <a:endParaRPr lang="en-US"/>
           </a:p>
@@ -4586,7 +4602,7 @@
           <a:p>
             <a:fld id="{F8CC1388-37FF-4ABA-9459-BA2637395AE9}" type="datetimeFigureOut">
               <a:rPr lang="en-US" smtClean="0"/>
-              <a:t>6/18/2018</a:t>
+              <a:t>6/19/2018</a:t>
             </a:fld>
             <a:endParaRPr lang="en-US"/>
           </a:p>
@@ -5329,7 +5345,7 @@
           <a:p>
             <a:fld id="{F8CC1388-37FF-4ABA-9459-BA2637395AE9}" type="datetimeFigureOut">
               <a:rPr lang="en-US" smtClean="0"/>
-              <a:t>6/18/2018</a:t>
+              <a:t>6/19/2018</a:t>
             </a:fld>
             <a:endParaRPr lang="en-US"/>
           </a:p>
@@ -8775,11 +8791,7 @@
             <a:pPr marL="742950" lvl="2" indent="-342900"/>
             <a:r>
               <a:rPr lang="zh-CN" altLang="en-US" sz="2200" dirty="0"/>
-              <a:t>粒度过</a:t>
-            </a:r>
-            <a:r>
-              <a:rPr lang="zh-CN" altLang="en-US" sz="2200" dirty="0"/>
-              <a:t>大，效用不高</a:t>
+              <a:t>粒度过大，效用不高</a:t>
             </a:r>
             <a:endParaRPr lang="en-US" altLang="zh-CN" sz="2200" dirty="0"/>
           </a:p>
@@ -8803,27 +8815,15 @@
             <a:pPr marL="742950" lvl="2" indent="-342900"/>
             <a:r>
               <a:rPr lang="zh-CN" altLang="en-US" sz="2200" dirty="0"/>
-              <a:t>不能</a:t>
-            </a:r>
+              <a:t>不能避免幻影且执行不有一定产生可串行化调度</a:t>
+            </a:r>
+            <a:endParaRPr lang="en-US" altLang="zh-CN" sz="2200" dirty="0"/>
+          </a:p>
+          <a:p>
+            <a:pPr marL="742950" lvl="2" indent="-342900"/>
             <a:r>
               <a:rPr lang="zh-CN" altLang="en-US" sz="2200" dirty="0"/>
-              <a:t>避免幻影且执行不有一定产生可串行化</a:t>
-            </a:r>
-            <a:r>
-              <a:rPr lang="zh-CN" altLang="en-US" sz="2200" dirty="0"/>
-              <a:t>调度</a:t>
-            </a:r>
-            <a:endParaRPr lang="en-US" altLang="zh-CN" sz="2200" dirty="0"/>
-          </a:p>
-          <a:p>
-            <a:pPr marL="742950" lvl="2" indent="-342900"/>
-            <a:r>
-              <a:rPr lang="zh-CN" altLang="en-US" sz="2200" dirty="0"/>
-              <a:t>粒度</a:t>
-            </a:r>
-            <a:r>
-              <a:rPr lang="zh-CN" altLang="en-US" sz="2200" dirty="0"/>
-              <a:t>小，效用高</a:t>
+              <a:t>粒度小，效用高</a:t>
             </a:r>
             <a:endParaRPr lang="en-US" altLang="zh-CN" sz="2200" dirty="0"/>
           </a:p>
@@ -11011,10 +11011,39 @@
         </p:nvSpPr>
         <p:spPr/>
         <p:txBody>
-          <a:bodyPr/>
+          <a:bodyPr>
+            <a:normAutofit/>
+          </a:bodyPr>
           <a:lstStyle/>
           <a:p>
-            <a:endParaRPr lang="en-US"/>
+            <a:r>
+              <a:rPr lang="zh-CN" altLang="en-US" sz="2400" dirty="0" smtClean="0"/>
+              <a:t>使用索引时，用索引锁即可阻止幻影；无索引时则锁整个表</a:t>
+            </a:r>
+            <a:endParaRPr lang="en-US" altLang="zh-CN" sz="2400" dirty="0" smtClean="0"/>
+          </a:p>
+          <a:p>
+            <a:r>
+              <a:rPr lang="zh-CN" altLang="en-US" sz="2400" dirty="0" smtClean="0"/>
+              <a:t>即使没有索引，写操作也可以只对整个表加</a:t>
+            </a:r>
+            <a:r>
+              <a:rPr lang="en-US" altLang="zh-CN" sz="2400" dirty="0" smtClean="0"/>
+              <a:t>IX</a:t>
+            </a:r>
+            <a:r>
+              <a:rPr lang="zh-CN" altLang="en-US" sz="2400" dirty="0" smtClean="0"/>
+              <a:t>锁而不是</a:t>
+            </a:r>
+            <a:r>
+              <a:rPr lang="en-US" altLang="zh-CN" sz="2400" dirty="0" smtClean="0"/>
+              <a:t>X</a:t>
+            </a:r>
+            <a:r>
+              <a:rPr lang="zh-CN" altLang="en-US" sz="2400" dirty="0" smtClean="0"/>
+              <a:t>锁，以获得更高的并发度。</a:t>
+            </a:r>
+            <a:endParaRPr lang="en-US" sz="2400" dirty="0"/>
           </a:p>
         </p:txBody>
       </p:sp>
@@ -11022,6 +11051,2217 @@
     <p:extLst>
       <p:ext uri="{BB962C8B-B14F-4D97-AF65-F5344CB8AC3E}">
         <p14:creationId xmlns:p14="http://schemas.microsoft.com/office/powerpoint/2010/main" val="2726983809"/>
+      </p:ext>
+    </p:extLst>
+  </p:cSld>
+  <p:clrMapOvr>
+    <a:masterClrMapping/>
+  </p:clrMapOvr>
+  <p:timing>
+    <p:tnLst>
+      <p:par>
+        <p:cTn id="1" dur="indefinite" restart="never" nodeType="tmRoot"/>
+      </p:par>
+    </p:tnLst>
+  </p:timing>
+</p:sld>
+</file>
+
+<file path=ppt/slides/slide26.xml><?xml version="1.0" encoding="utf-8"?>
+<p:sld xmlns:a="http://schemas.openxmlformats.org/drawingml/2006/main" xmlns:r="http://schemas.openxmlformats.org/officeDocument/2006/relationships" xmlns:p="http://schemas.openxmlformats.org/presentationml/2006/main">
+  <p:cSld>
+    <p:spTree>
+      <p:nvGrpSpPr>
+        <p:cNvPr id="1" name=""/>
+        <p:cNvGrpSpPr/>
+        <p:nvPr/>
+      </p:nvGrpSpPr>
+      <p:grpSpPr>
+        <a:xfrm>
+          <a:off x="0" y="0"/>
+          <a:ext cx="0" cy="0"/>
+          <a:chOff x="0" y="0"/>
+          <a:chExt cx="0" cy="0"/>
+        </a:xfrm>
+      </p:grpSpPr>
+      <p:sp>
+        <p:nvSpPr>
+          <p:cNvPr id="2" name="标题 1"/>
+          <p:cNvSpPr>
+            <a:spLocks noGrp="1"/>
+          </p:cNvSpPr>
+          <p:nvPr>
+            <p:ph type="title"/>
+          </p:nvPr>
+        </p:nvSpPr>
+        <p:spPr/>
+        <p:txBody>
+          <a:bodyPr/>
+          <a:lstStyle/>
+          <a:p>
+            <a:r>
+              <a:rPr lang="en-US" altLang="zh-CN" dirty="0" smtClean="0"/>
+              <a:t>B+</a:t>
+            </a:r>
+            <a:r>
+              <a:rPr lang="zh-CN" altLang="en-US" dirty="0" smtClean="0"/>
+              <a:t>树上申请读锁</a:t>
+            </a:r>
+            <a:endParaRPr lang="zh-CN" altLang="en-US" dirty="0"/>
+          </a:p>
+        </p:txBody>
+      </p:sp>
+      <p:sp>
+        <p:nvSpPr>
+          <p:cNvPr id="3" name="内容占位符 2"/>
+          <p:cNvSpPr>
+            <a:spLocks noGrp="1"/>
+          </p:cNvSpPr>
+          <p:nvPr>
+            <p:ph idx="1"/>
+          </p:nvPr>
+        </p:nvSpPr>
+        <p:spPr/>
+        <p:txBody>
+          <a:bodyPr/>
+          <a:lstStyle/>
+          <a:p>
+            <a:endParaRPr lang="zh-CN" altLang="en-US" dirty="0"/>
+          </a:p>
+        </p:txBody>
+      </p:sp>
+      <p:sp>
+        <p:nvSpPr>
+          <p:cNvPr id="42" name="文本框 41"/>
+          <p:cNvSpPr txBox="1"/>
+          <p:nvPr/>
+        </p:nvSpPr>
+        <p:spPr>
+          <a:xfrm>
+            <a:off x="5977402" y="3097872"/>
+            <a:ext cx="897890" cy="504004"/>
+          </a:xfrm>
+          <a:prstGeom prst="rect">
+            <a:avLst/>
+          </a:prstGeom>
+          <a:noFill/>
+        </p:spPr>
+        <p:txBody>
+          <a:bodyPr wrap="square" rtlCol="0">
+            <a:spAutoFit/>
+          </a:bodyPr>
+          <a:lstStyle/>
+          <a:p>
+            <a:pPr algn="ctr"/>
+            <a:r>
+              <a:rPr lang="en-US" altLang="zh-CN">
+                <a:solidFill>
+                  <a:srgbClr val="0000CC"/>
+                </a:solidFill>
+              </a:rPr>
+              <a:t>no</a:t>
+            </a:r>
+          </a:p>
+        </p:txBody>
+      </p:sp>
+      <p:sp>
+        <p:nvSpPr>
+          <p:cNvPr id="43" name="文本框 42"/>
+          <p:cNvSpPr txBox="1"/>
+          <p:nvPr/>
+        </p:nvSpPr>
+        <p:spPr>
+          <a:xfrm>
+            <a:off x="4238137" y="491515"/>
+            <a:ext cx="3780028" cy="460375"/>
+          </a:xfrm>
+          <a:prstGeom prst="rect">
+            <a:avLst/>
+          </a:prstGeom>
+          <a:noFill/>
+          <a:ln w="12700">
+            <a:solidFill>
+              <a:schemeClr val="accent1"/>
+            </a:solidFill>
+          </a:ln>
+        </p:spPr>
+        <p:txBody>
+          <a:bodyPr wrap="square" rtlCol="0" anchor="ctr" anchorCtr="0">
+            <a:spAutoFit/>
+          </a:bodyPr>
+          <a:lstStyle/>
+          <a:p>
+            <a:pPr algn="ctr"/>
+            <a:r>
+              <a:rPr lang="en-US" altLang="zh-CN" sz="2400">
+                <a:solidFill>
+                  <a:schemeClr val="accent6"/>
+                </a:solidFill>
+              </a:rPr>
+              <a:t>N := root of B</a:t>
+            </a:r>
+            <a:r>
+              <a:rPr lang="en-US" altLang="zh-CN" sz="2400" baseline="30000">
+                <a:solidFill>
+                  <a:schemeClr val="accent6"/>
+                </a:solidFill>
+              </a:rPr>
+              <a:t>+</a:t>
+            </a:r>
+            <a:r>
+              <a:rPr lang="en-US" altLang="zh-CN" sz="2400">
+                <a:solidFill>
+                  <a:schemeClr val="accent6"/>
+                </a:solidFill>
+              </a:rPr>
+              <a:t> tree</a:t>
+            </a:r>
+            <a:endParaRPr lang="en-US" altLang="zh-CN" sz="2400">
+              <a:solidFill>
+                <a:schemeClr val="accent6"/>
+              </a:solidFill>
+              <a:ea typeface="宋体" panose="02010600030101010101" pitchFamily="2" charset="-122"/>
+            </a:endParaRPr>
+          </a:p>
+        </p:txBody>
+      </p:sp>
+      <p:sp>
+        <p:nvSpPr>
+          <p:cNvPr id="44" name="文本框 43"/>
+          <p:cNvSpPr txBox="1"/>
+          <p:nvPr/>
+        </p:nvSpPr>
+        <p:spPr>
+          <a:xfrm>
+            <a:off x="4238137" y="1353527"/>
+            <a:ext cx="3780028" cy="460375"/>
+          </a:xfrm>
+          <a:prstGeom prst="rect">
+            <a:avLst/>
+          </a:prstGeom>
+          <a:noFill/>
+          <a:ln w="12700">
+            <a:solidFill>
+              <a:schemeClr val="accent1"/>
+            </a:solidFill>
+          </a:ln>
+        </p:spPr>
+        <p:txBody>
+          <a:bodyPr wrap="square" rtlCol="0" anchor="ctr" anchorCtr="0">
+            <a:spAutoFit/>
+          </a:bodyPr>
+          <a:lstStyle/>
+          <a:p>
+            <a:pPr algn="ctr"/>
+            <a:r>
+              <a:rPr lang="zh-CN" altLang="zh-CN" sz="2400">
+                <a:solidFill>
+                  <a:schemeClr val="accent6"/>
+                </a:solidFill>
+                <a:ea typeface="宋体" panose="02010600030101010101" pitchFamily="2" charset="-122"/>
+              </a:rPr>
+              <a:t>申请节点</a:t>
+            </a:r>
+            <a:r>
+              <a:rPr lang="en-US" altLang="zh-CN" sz="2400">
+                <a:solidFill>
+                  <a:schemeClr val="accent6"/>
+                </a:solidFill>
+              </a:rPr>
+              <a:t>N</a:t>
+            </a:r>
+            <a:r>
+              <a:rPr lang="zh-CN" altLang="en-US" sz="2400">
+                <a:solidFill>
+                  <a:schemeClr val="accent6"/>
+                </a:solidFill>
+                <a:ea typeface="宋体" panose="02010600030101010101" pitchFamily="2" charset="-122"/>
+              </a:rPr>
+              <a:t>上的</a:t>
+            </a:r>
+            <a:r>
+              <a:rPr lang="en-US" altLang="zh-CN" sz="2400">
+                <a:solidFill>
+                  <a:schemeClr val="accent6"/>
+                </a:solidFill>
+                <a:ea typeface="宋体" panose="02010600030101010101" pitchFamily="2" charset="-122"/>
+              </a:rPr>
+              <a:t>read lock</a:t>
+            </a:r>
+          </a:p>
+        </p:txBody>
+      </p:sp>
+      <p:sp>
+        <p:nvSpPr>
+          <p:cNvPr id="45" name="菱形 44"/>
+          <p:cNvSpPr/>
+          <p:nvPr/>
+        </p:nvSpPr>
+        <p:spPr>
+          <a:xfrm>
+            <a:off x="4238772" y="2241257"/>
+            <a:ext cx="3780028" cy="920750"/>
+          </a:xfrm>
+          <a:prstGeom prst="diamond">
+            <a:avLst/>
+          </a:prstGeom>
+          <a:noFill/>
+        </p:spPr>
+        <p:style>
+          <a:lnRef idx="2">
+            <a:schemeClr val="accent1">
+              <a:shade val="50000"/>
+            </a:schemeClr>
+          </a:lnRef>
+          <a:fillRef idx="1">
+            <a:schemeClr val="accent1"/>
+          </a:fillRef>
+          <a:effectRef idx="0">
+            <a:schemeClr val="accent1"/>
+          </a:effectRef>
+          <a:fontRef idx="minor">
+            <a:schemeClr val="lt1"/>
+          </a:fontRef>
+        </p:style>
+        <p:txBody>
+          <a:bodyPr rtlCol="0" anchor="ctr" anchorCtr="0">
+            <a:spAutoFit/>
+          </a:bodyPr>
+          <a:lstStyle/>
+          <a:p>
+            <a:pPr algn="ctr"/>
+            <a:r>
+              <a:rPr lang="en-US" altLang="zh-CN" sz="2400">
+                <a:solidFill>
+                  <a:schemeClr val="accent6"/>
+                </a:solidFill>
+                <a:latin typeface="Arial" panose="020B0604020202020204" pitchFamily="34" charset="0"/>
+              </a:rPr>
+              <a:t>N = K ?</a:t>
+            </a:r>
+          </a:p>
+        </p:txBody>
+      </p:sp>
+      <p:sp>
+        <p:nvSpPr>
+          <p:cNvPr id="46" name="文本框 45"/>
+          <p:cNvSpPr txBox="1"/>
+          <p:nvPr/>
+        </p:nvSpPr>
+        <p:spPr>
+          <a:xfrm>
+            <a:off x="9170817" y="2486367"/>
+            <a:ext cx="1223645" cy="460375"/>
+          </a:xfrm>
+          <a:prstGeom prst="rect">
+            <a:avLst/>
+          </a:prstGeom>
+          <a:noFill/>
+        </p:spPr>
+        <p:txBody>
+          <a:bodyPr wrap="square" rtlCol="0">
+            <a:spAutoFit/>
+          </a:bodyPr>
+          <a:lstStyle/>
+          <a:p>
+            <a:pPr algn="ctr"/>
+            <a:r>
+              <a:rPr lang="zh-CN" altLang="zh-CN" sz="2400">
+                <a:solidFill>
+                  <a:schemeClr val="accent6"/>
+                </a:solidFill>
+                <a:ea typeface="宋体" panose="02010600030101010101" pitchFamily="2" charset="-122"/>
+              </a:rPr>
+              <a:t>结束</a:t>
+            </a:r>
+          </a:p>
+        </p:txBody>
+      </p:sp>
+      <p:sp>
+        <p:nvSpPr>
+          <p:cNvPr id="47" name="文本框 46"/>
+          <p:cNvSpPr txBox="1"/>
+          <p:nvPr/>
+        </p:nvSpPr>
+        <p:spPr>
+          <a:xfrm>
+            <a:off x="4238137" y="3810977"/>
+            <a:ext cx="3780028" cy="829945"/>
+          </a:xfrm>
+          <a:prstGeom prst="rect">
+            <a:avLst/>
+          </a:prstGeom>
+          <a:noFill/>
+          <a:ln w="12700">
+            <a:solidFill>
+              <a:schemeClr val="accent1"/>
+            </a:solidFill>
+          </a:ln>
+        </p:spPr>
+        <p:txBody>
+          <a:bodyPr wrap="square" rtlCol="0" anchor="ctr" anchorCtr="0">
+            <a:spAutoFit/>
+          </a:bodyPr>
+          <a:lstStyle/>
+          <a:p>
+            <a:pPr algn="ctr"/>
+            <a:r>
+              <a:rPr lang="zh-CN" altLang="en-US" sz="2400">
+                <a:solidFill>
+                  <a:schemeClr val="accent6"/>
+                </a:solidFill>
+                <a:ea typeface="宋体" panose="02010600030101010101" pitchFamily="2" charset="-122"/>
+              </a:rPr>
+              <a:t>寻找</a:t>
+            </a:r>
+            <a:r>
+              <a:rPr lang="en-US" altLang="zh-CN" sz="2400">
+                <a:solidFill>
+                  <a:schemeClr val="accent6"/>
+                </a:solidFill>
+                <a:ea typeface="宋体" panose="02010600030101010101" pitchFamily="2" charset="-122"/>
+              </a:rPr>
+              <a:t>N</a:t>
+            </a:r>
+            <a:r>
+              <a:rPr lang="zh-CN" altLang="en-US" sz="2400">
+                <a:solidFill>
+                  <a:schemeClr val="accent6"/>
+                </a:solidFill>
+                <a:ea typeface="宋体" panose="02010600030101010101" pitchFamily="2" charset="-122"/>
+              </a:rPr>
+              <a:t>的子节点</a:t>
+            </a:r>
+            <a:r>
+              <a:rPr lang="en-US" altLang="zh-CN" sz="2400">
+                <a:solidFill>
+                  <a:schemeClr val="accent6"/>
+                </a:solidFill>
+                <a:ea typeface="宋体" panose="02010600030101010101" pitchFamily="2" charset="-122"/>
+              </a:rPr>
+              <a:t>M</a:t>
+            </a:r>
+            <a:endParaRPr lang="zh-CN" altLang="en-US" sz="2400">
+              <a:solidFill>
+                <a:schemeClr val="accent6"/>
+              </a:solidFill>
+              <a:ea typeface="宋体" panose="02010600030101010101" pitchFamily="2" charset="-122"/>
+            </a:endParaRPr>
+          </a:p>
+          <a:p>
+            <a:pPr algn="ctr"/>
+            <a:r>
+              <a:rPr lang="zh-CN" altLang="en-US" sz="2400">
+                <a:solidFill>
+                  <a:schemeClr val="accent6"/>
+                </a:solidFill>
+                <a:ea typeface="宋体" panose="02010600030101010101" pitchFamily="2" charset="-122"/>
+              </a:rPr>
+              <a:t>申请节点</a:t>
+            </a:r>
+            <a:r>
+              <a:rPr lang="en-US" altLang="zh-CN" sz="2400">
+                <a:solidFill>
+                  <a:schemeClr val="accent6"/>
+                </a:solidFill>
+                <a:ea typeface="宋体" panose="02010600030101010101" pitchFamily="2" charset="-122"/>
+              </a:rPr>
+              <a:t>M</a:t>
+            </a:r>
+            <a:r>
+              <a:rPr lang="zh-CN" altLang="en-US" sz="2400">
+                <a:solidFill>
+                  <a:schemeClr val="accent6"/>
+                </a:solidFill>
+                <a:ea typeface="宋体" panose="02010600030101010101" pitchFamily="2" charset="-122"/>
+              </a:rPr>
+              <a:t>上的</a:t>
+            </a:r>
+            <a:r>
+              <a:rPr lang="en-US" altLang="zh-CN" sz="2400">
+                <a:solidFill>
+                  <a:schemeClr val="accent6"/>
+                </a:solidFill>
+                <a:ea typeface="宋体" panose="02010600030101010101" pitchFamily="2" charset="-122"/>
+              </a:rPr>
+              <a:t>read lock</a:t>
+            </a:r>
+          </a:p>
+        </p:txBody>
+      </p:sp>
+      <p:sp>
+        <p:nvSpPr>
+          <p:cNvPr id="48" name="文本框 47"/>
+          <p:cNvSpPr txBox="1"/>
+          <p:nvPr/>
+        </p:nvSpPr>
+        <p:spPr>
+          <a:xfrm>
+            <a:off x="4238772" y="5108600"/>
+            <a:ext cx="3780028" cy="829945"/>
+          </a:xfrm>
+          <a:prstGeom prst="rect">
+            <a:avLst/>
+          </a:prstGeom>
+          <a:noFill/>
+          <a:ln w="12700">
+            <a:solidFill>
+              <a:schemeClr val="accent1"/>
+            </a:solidFill>
+          </a:ln>
+        </p:spPr>
+        <p:txBody>
+          <a:bodyPr wrap="square" rtlCol="0" anchor="ctr" anchorCtr="0">
+            <a:spAutoFit/>
+          </a:bodyPr>
+          <a:lstStyle/>
+          <a:p>
+            <a:pPr algn="ctr"/>
+            <a:r>
+              <a:rPr lang="zh-CN" altLang="en-US" sz="2400">
+                <a:solidFill>
+                  <a:schemeClr val="accent6"/>
+                </a:solidFill>
+                <a:ea typeface="宋体" panose="02010600030101010101" pitchFamily="2" charset="-122"/>
+              </a:rPr>
+              <a:t>释放节点</a:t>
+            </a:r>
+            <a:r>
+              <a:rPr lang="en-US" altLang="zh-CN" sz="2400">
+                <a:solidFill>
+                  <a:schemeClr val="accent6"/>
+                </a:solidFill>
+                <a:ea typeface="宋体" panose="02010600030101010101" pitchFamily="2" charset="-122"/>
+              </a:rPr>
+              <a:t>N</a:t>
+            </a:r>
+            <a:r>
+              <a:rPr lang="zh-CN" altLang="en-US" sz="2400">
+                <a:solidFill>
+                  <a:schemeClr val="accent6"/>
+                </a:solidFill>
+                <a:ea typeface="宋体" panose="02010600030101010101" pitchFamily="2" charset="-122"/>
+              </a:rPr>
+              <a:t>上的</a:t>
+            </a:r>
+            <a:r>
+              <a:rPr lang="en-US" altLang="zh-CN" sz="2400">
+                <a:solidFill>
+                  <a:schemeClr val="accent6"/>
+                </a:solidFill>
+                <a:ea typeface="宋体" panose="02010600030101010101" pitchFamily="2" charset="-122"/>
+              </a:rPr>
+              <a:t>read lock</a:t>
+            </a:r>
+          </a:p>
+          <a:p>
+            <a:pPr algn="ctr"/>
+            <a:r>
+              <a:rPr lang="en-US" altLang="zh-CN" sz="2400">
+                <a:solidFill>
+                  <a:schemeClr val="accent6"/>
+                </a:solidFill>
+                <a:ea typeface="宋体" panose="02010600030101010101" pitchFamily="2" charset="-122"/>
+              </a:rPr>
+              <a:t>N := M</a:t>
+            </a:r>
+          </a:p>
+        </p:txBody>
+      </p:sp>
+      <p:cxnSp>
+        <p:nvCxnSpPr>
+          <p:cNvPr id="49" name="直接箭头连接符 48"/>
+          <p:cNvCxnSpPr>
+            <a:stCxn id="43" idx="2"/>
+            <a:endCxn id="44" idx="0"/>
+          </p:cNvCxnSpPr>
+          <p:nvPr/>
+        </p:nvCxnSpPr>
+        <p:spPr>
+          <a:xfrm>
+            <a:off x="6204097" y="952207"/>
+            <a:ext cx="0" cy="401320"/>
+          </a:xfrm>
+          <a:prstGeom prst="straightConnector1">
+            <a:avLst/>
+          </a:prstGeom>
+          <a:ln w="25400">
+            <a:tailEnd type="arrow" w="lg" len="med"/>
+          </a:ln>
+        </p:spPr>
+        <p:style>
+          <a:lnRef idx="1">
+            <a:schemeClr val="accent1"/>
+          </a:lnRef>
+          <a:fillRef idx="0">
+            <a:schemeClr val="accent1"/>
+          </a:fillRef>
+          <a:effectRef idx="0">
+            <a:schemeClr val="accent1"/>
+          </a:effectRef>
+          <a:fontRef idx="minor">
+            <a:schemeClr val="tx1"/>
+          </a:fontRef>
+        </p:style>
+      </p:cxnSp>
+      <p:cxnSp>
+        <p:nvCxnSpPr>
+          <p:cNvPr id="50" name="直接箭头连接符 49"/>
+          <p:cNvCxnSpPr/>
+          <p:nvPr/>
+        </p:nvCxnSpPr>
+        <p:spPr>
+          <a:xfrm>
+            <a:off x="6104402" y="1834857"/>
+            <a:ext cx="0" cy="401320"/>
+          </a:xfrm>
+          <a:prstGeom prst="straightConnector1">
+            <a:avLst/>
+          </a:prstGeom>
+          <a:ln w="25400">
+            <a:tailEnd type="arrow" w="lg" len="med"/>
+          </a:ln>
+        </p:spPr>
+        <p:style>
+          <a:lnRef idx="1">
+            <a:schemeClr val="accent1"/>
+          </a:lnRef>
+          <a:fillRef idx="0">
+            <a:schemeClr val="accent1"/>
+          </a:fillRef>
+          <a:effectRef idx="0">
+            <a:schemeClr val="accent1"/>
+          </a:effectRef>
+          <a:fontRef idx="minor">
+            <a:schemeClr val="tx1"/>
+          </a:fontRef>
+        </p:style>
+      </p:cxnSp>
+      <p:cxnSp>
+        <p:nvCxnSpPr>
+          <p:cNvPr id="51" name="直接箭头连接符 50"/>
+          <p:cNvCxnSpPr/>
+          <p:nvPr/>
+        </p:nvCxnSpPr>
+        <p:spPr>
+          <a:xfrm>
+            <a:off x="6104402" y="3195027"/>
+            <a:ext cx="0" cy="612005"/>
+          </a:xfrm>
+          <a:prstGeom prst="straightConnector1">
+            <a:avLst/>
+          </a:prstGeom>
+          <a:ln w="25400">
+            <a:tailEnd type="arrow" w="lg" len="med"/>
+          </a:ln>
+        </p:spPr>
+        <p:style>
+          <a:lnRef idx="1">
+            <a:schemeClr val="accent1"/>
+          </a:lnRef>
+          <a:fillRef idx="0">
+            <a:schemeClr val="accent1"/>
+          </a:fillRef>
+          <a:effectRef idx="0">
+            <a:schemeClr val="accent1"/>
+          </a:effectRef>
+          <a:fontRef idx="minor">
+            <a:schemeClr val="tx1"/>
+          </a:fontRef>
+        </p:style>
+      </p:cxnSp>
+      <p:cxnSp>
+        <p:nvCxnSpPr>
+          <p:cNvPr id="52" name="直接箭头连接符 51"/>
+          <p:cNvCxnSpPr/>
+          <p:nvPr/>
+        </p:nvCxnSpPr>
+        <p:spPr>
+          <a:xfrm>
+            <a:off x="6080272" y="4682197"/>
+            <a:ext cx="0" cy="401320"/>
+          </a:xfrm>
+          <a:prstGeom prst="straightConnector1">
+            <a:avLst/>
+          </a:prstGeom>
+          <a:ln w="25400">
+            <a:tailEnd type="arrow" w="lg" len="med"/>
+          </a:ln>
+        </p:spPr>
+        <p:style>
+          <a:lnRef idx="1">
+            <a:schemeClr val="accent1"/>
+          </a:lnRef>
+          <a:fillRef idx="0">
+            <a:schemeClr val="accent1"/>
+          </a:fillRef>
+          <a:effectRef idx="0">
+            <a:schemeClr val="accent1"/>
+          </a:effectRef>
+          <a:fontRef idx="minor">
+            <a:schemeClr val="tx1"/>
+          </a:fontRef>
+        </p:style>
+      </p:cxnSp>
+      <p:cxnSp>
+        <p:nvCxnSpPr>
+          <p:cNvPr id="53" name="直接箭头连接符 52"/>
+          <p:cNvCxnSpPr>
+            <a:stCxn id="45" idx="3"/>
+          </p:cNvCxnSpPr>
+          <p:nvPr/>
+        </p:nvCxnSpPr>
+        <p:spPr>
+          <a:xfrm>
+            <a:off x="8018927" y="2701632"/>
+            <a:ext cx="1152008" cy="29845"/>
+          </a:xfrm>
+          <a:prstGeom prst="straightConnector1">
+            <a:avLst/>
+          </a:prstGeom>
+          <a:ln w="25400">
+            <a:tailEnd type="arrow" w="lg" len="med"/>
+          </a:ln>
+        </p:spPr>
+        <p:style>
+          <a:lnRef idx="1">
+            <a:schemeClr val="accent1"/>
+          </a:lnRef>
+          <a:fillRef idx="0">
+            <a:schemeClr val="accent1"/>
+          </a:fillRef>
+          <a:effectRef idx="0">
+            <a:schemeClr val="accent1"/>
+          </a:effectRef>
+          <a:fontRef idx="minor">
+            <a:schemeClr val="tx1"/>
+          </a:fontRef>
+        </p:style>
+      </p:cxnSp>
+      <p:cxnSp>
+        <p:nvCxnSpPr>
+          <p:cNvPr id="54" name="直接箭头连接符 53"/>
+          <p:cNvCxnSpPr/>
+          <p:nvPr/>
+        </p:nvCxnSpPr>
+        <p:spPr>
+          <a:xfrm>
+            <a:off x="3086882" y="2671787"/>
+            <a:ext cx="1152008" cy="29845"/>
+          </a:xfrm>
+          <a:prstGeom prst="straightConnector1">
+            <a:avLst/>
+          </a:prstGeom>
+          <a:ln w="25400">
+            <a:tailEnd type="arrow" w="lg" len="med"/>
+          </a:ln>
+        </p:spPr>
+        <p:style>
+          <a:lnRef idx="1">
+            <a:schemeClr val="accent1"/>
+          </a:lnRef>
+          <a:fillRef idx="0">
+            <a:schemeClr val="accent1"/>
+          </a:fillRef>
+          <a:effectRef idx="0">
+            <a:schemeClr val="accent1"/>
+          </a:effectRef>
+          <a:fontRef idx="minor">
+            <a:schemeClr val="tx1"/>
+          </a:fontRef>
+        </p:style>
+      </p:cxnSp>
+      <p:cxnSp>
+        <p:nvCxnSpPr>
+          <p:cNvPr id="55" name="直接箭头连接符 54"/>
+          <p:cNvCxnSpPr/>
+          <p:nvPr/>
+        </p:nvCxnSpPr>
+        <p:spPr>
+          <a:xfrm>
+            <a:off x="3086882" y="5508967"/>
+            <a:ext cx="1152008" cy="29845"/>
+          </a:xfrm>
+          <a:prstGeom prst="straightConnector1">
+            <a:avLst/>
+          </a:prstGeom>
+          <a:ln w="25400">
+            <a:tailEnd type="none" w="lg" len="med"/>
+          </a:ln>
+        </p:spPr>
+        <p:style>
+          <a:lnRef idx="1">
+            <a:schemeClr val="accent1"/>
+          </a:lnRef>
+          <a:fillRef idx="0">
+            <a:schemeClr val="accent1"/>
+          </a:fillRef>
+          <a:effectRef idx="0">
+            <a:schemeClr val="accent1"/>
+          </a:effectRef>
+          <a:fontRef idx="minor">
+            <a:schemeClr val="tx1"/>
+          </a:fontRef>
+        </p:style>
+      </p:cxnSp>
+      <p:cxnSp>
+        <p:nvCxnSpPr>
+          <p:cNvPr id="56" name="直接箭头连接符 55"/>
+          <p:cNvCxnSpPr/>
+          <p:nvPr/>
+        </p:nvCxnSpPr>
+        <p:spPr>
+          <a:xfrm>
+            <a:off x="3086882" y="2671787"/>
+            <a:ext cx="0" cy="2808021"/>
+          </a:xfrm>
+          <a:prstGeom prst="straightConnector1">
+            <a:avLst/>
+          </a:prstGeom>
+          <a:ln w="25400">
+            <a:tailEnd type="none" w="lg" len="med"/>
+          </a:ln>
+        </p:spPr>
+        <p:style>
+          <a:lnRef idx="1">
+            <a:schemeClr val="accent1"/>
+          </a:lnRef>
+          <a:fillRef idx="0">
+            <a:schemeClr val="accent1"/>
+          </a:fillRef>
+          <a:effectRef idx="0">
+            <a:schemeClr val="accent1"/>
+          </a:effectRef>
+          <a:fontRef idx="minor">
+            <a:schemeClr val="tx1"/>
+          </a:fontRef>
+        </p:style>
+      </p:cxnSp>
+      <p:sp>
+        <p:nvSpPr>
+          <p:cNvPr id="57" name="文本框 56"/>
+          <p:cNvSpPr txBox="1"/>
+          <p:nvPr/>
+        </p:nvSpPr>
+        <p:spPr>
+          <a:xfrm>
+            <a:off x="8099572" y="2223477"/>
+            <a:ext cx="897890" cy="521970"/>
+          </a:xfrm>
+          <a:prstGeom prst="rect">
+            <a:avLst/>
+          </a:prstGeom>
+          <a:noFill/>
+        </p:spPr>
+        <p:txBody>
+          <a:bodyPr wrap="square" rtlCol="0">
+            <a:spAutoFit/>
+          </a:bodyPr>
+          <a:lstStyle/>
+          <a:p>
+            <a:pPr algn="ctr"/>
+            <a:r>
+              <a:rPr lang="en-US" altLang="zh-CN">
+                <a:solidFill>
+                  <a:srgbClr val="0000CC"/>
+                </a:solidFill>
+              </a:rPr>
+              <a:t>yes</a:t>
+            </a:r>
+          </a:p>
+        </p:txBody>
+      </p:sp>
+      <p:grpSp>
+        <p:nvGrpSpPr>
+          <p:cNvPr id="58" name="组合 57"/>
+          <p:cNvGrpSpPr/>
+          <p:nvPr/>
+        </p:nvGrpSpPr>
+        <p:grpSpPr>
+          <a:xfrm>
+            <a:off x="3892062" y="3569677"/>
+            <a:ext cx="6158865" cy="2590800"/>
+            <a:chOff x="3360" y="6120"/>
+            <a:chExt cx="9699" cy="4080"/>
+          </a:xfrm>
+        </p:grpSpPr>
+        <p:sp>
+          <p:nvSpPr>
+            <p:cNvPr id="59" name="矩形 58"/>
+            <p:cNvSpPr/>
+            <p:nvPr/>
+          </p:nvSpPr>
+          <p:spPr>
+            <a:xfrm>
+              <a:off x="3360" y="6120"/>
+              <a:ext cx="7080" cy="4080"/>
+            </a:xfrm>
+            <a:prstGeom prst="rect">
+              <a:avLst/>
+            </a:prstGeom>
+            <a:noFill/>
+            <a:ln>
+              <a:solidFill>
+                <a:srgbClr val="FF0000"/>
+              </a:solidFill>
+              <a:prstDash val="dash"/>
+            </a:ln>
+          </p:spPr>
+          <p:style>
+            <a:lnRef idx="2">
+              <a:schemeClr val="accent1">
+                <a:shade val="50000"/>
+              </a:schemeClr>
+            </a:lnRef>
+            <a:fillRef idx="1">
+              <a:schemeClr val="accent1"/>
+            </a:fillRef>
+            <a:effectRef idx="0">
+              <a:schemeClr val="accent1"/>
+            </a:effectRef>
+            <a:fontRef idx="minor">
+              <a:schemeClr val="lt1"/>
+            </a:fontRef>
+          </p:style>
+          <p:txBody>
+            <a:bodyPr rtlCol="0" anchor="ctr"/>
+            <a:lstStyle/>
+            <a:p>
+              <a:pPr algn="ctr"/>
+              <a:endParaRPr lang="zh-CN" altLang="en-US"/>
+            </a:p>
+          </p:txBody>
+        </p:sp>
+        <p:sp>
+          <p:nvSpPr>
+            <p:cNvPr id="60" name="文本框 59"/>
+            <p:cNvSpPr txBox="1"/>
+            <p:nvPr/>
+          </p:nvSpPr>
+          <p:spPr>
+            <a:xfrm>
+              <a:off x="10257" y="7534"/>
+              <a:ext cx="2802" cy="1307"/>
+            </a:xfrm>
+            <a:prstGeom prst="rect">
+              <a:avLst/>
+            </a:prstGeom>
+            <a:noFill/>
+          </p:spPr>
+          <p:txBody>
+            <a:bodyPr wrap="square" rtlCol="0">
+              <a:spAutoFit/>
+            </a:bodyPr>
+            <a:lstStyle/>
+            <a:p>
+              <a:pPr algn="ctr"/>
+              <a:r>
+                <a:rPr lang="en-US" altLang="x-none" sz="2400" dirty="0">
+                  <a:solidFill>
+                    <a:srgbClr val="FF0000"/>
+                  </a:solidFill>
+                  <a:latin typeface="Arial" panose="020B0604020202020204" pitchFamily="34" charset="0"/>
+                  <a:ea typeface="宋体" panose="02010600030101010101" pitchFamily="2" charset="-122"/>
+                  <a:sym typeface="+mn-ea"/>
+                </a:rPr>
+                <a:t>lock</a:t>
+              </a:r>
+            </a:p>
+            <a:p>
+              <a:pPr algn="ctr"/>
+              <a:r>
+                <a:rPr lang="en-US" altLang="x-none" sz="2400" dirty="0">
+                  <a:solidFill>
+                    <a:srgbClr val="FF0000"/>
+                  </a:solidFill>
+                  <a:latin typeface="Arial" panose="020B0604020202020204" pitchFamily="34" charset="0"/>
+                  <a:ea typeface="宋体" panose="02010600030101010101" pitchFamily="2" charset="-122"/>
+                  <a:sym typeface="+mn-ea"/>
+                </a:rPr>
+                <a:t>coupling</a:t>
+              </a:r>
+              <a:endParaRPr lang="zh-CN" altLang="zh-CN" sz="2400">
+                <a:solidFill>
+                  <a:schemeClr val="accent6"/>
+                </a:solidFill>
+                <a:ea typeface="宋体" panose="02010600030101010101" pitchFamily="2" charset="-122"/>
+              </a:endParaRPr>
+            </a:p>
+          </p:txBody>
+        </p:sp>
+      </p:grpSp>
+    </p:spTree>
+    <p:extLst>
+      <p:ext uri="{BB962C8B-B14F-4D97-AF65-F5344CB8AC3E}">
+        <p14:creationId xmlns:p14="http://schemas.microsoft.com/office/powerpoint/2010/main" val="1639602859"/>
+      </p:ext>
+    </p:extLst>
+  </p:cSld>
+  <p:clrMapOvr>
+    <a:masterClrMapping/>
+  </p:clrMapOvr>
+  <p:timing>
+    <p:tnLst>
+      <p:par>
+        <p:cTn id="1" dur="indefinite" restart="never" nodeType="tmRoot">
+          <p:childTnLst>
+            <p:seq concurrent="1" nextAc="seek">
+              <p:cTn id="2" dur="indefinite" nodeType="mainSeq">
+                <p:childTnLst>
+                  <p:par>
+                    <p:cTn id="3" fill="hold">
+                      <p:stCondLst>
+                        <p:cond delay="indefinite"/>
+                      </p:stCondLst>
+                      <p:childTnLst>
+                        <p:par>
+                          <p:cTn id="4" fill="hold">
+                            <p:stCondLst>
+                              <p:cond delay="0"/>
+                            </p:stCondLst>
+                            <p:childTnLst>
+                              <p:par>
+                                <p:cTn id="5" presetID="3" presetClass="entr" presetSubtype="10" fill="hold" nodeType="clickEffect">
+                                  <p:stCondLst>
+                                    <p:cond delay="0"/>
+                                  </p:stCondLst>
+                                  <p:childTnLst>
+                                    <p:set>
+                                      <p:cBhvr>
+                                        <p:cTn id="6" dur="1" fill="hold">
+                                          <p:stCondLst>
+                                            <p:cond delay="0"/>
+                                          </p:stCondLst>
+                                        </p:cTn>
+                                        <p:tgtEl>
+                                          <p:spTgt spid="58"/>
+                                        </p:tgtEl>
+                                        <p:attrNameLst>
+                                          <p:attrName>style.visibility</p:attrName>
+                                        </p:attrNameLst>
+                                      </p:cBhvr>
+                                      <p:to>
+                                        <p:strVal val="visible"/>
+                                      </p:to>
+                                    </p:set>
+                                    <p:animEffect transition="in" filter="blinds(horizontal)">
+                                      <p:cBhvr>
+                                        <p:cTn id="7" dur="500"/>
+                                        <p:tgtEl>
+                                          <p:spTgt spid="58"/>
+                                        </p:tgtEl>
+                                      </p:cBhvr>
+                                    </p:animEffect>
+                                  </p:childTnLst>
+                                </p:cTn>
+                              </p:par>
+                            </p:childTnLst>
+                          </p:cTn>
+                        </p:par>
+                      </p:childTnLst>
+                    </p:cTn>
+                  </p:par>
+                </p:childTnLst>
+              </p:cTn>
+              <p:prevCondLst>
+                <p:cond evt="onPrev" delay="0">
+                  <p:tgtEl>
+                    <p:sldTgt/>
+                  </p:tgtEl>
+                </p:cond>
+              </p:prevCondLst>
+              <p:nextCondLst>
+                <p:cond evt="onNext" delay="0">
+                  <p:tgtEl>
+                    <p:sldTgt/>
+                  </p:tgtEl>
+                </p:cond>
+              </p:nextCondLst>
+            </p:seq>
+          </p:childTnLst>
+        </p:cTn>
+      </p:par>
+    </p:tnLst>
+  </p:timing>
+</p:sld>
+</file>
+
+<file path=ppt/slides/slide27.xml><?xml version="1.0" encoding="utf-8"?>
+<p:sld xmlns:a="http://schemas.openxmlformats.org/drawingml/2006/main" xmlns:r="http://schemas.openxmlformats.org/officeDocument/2006/relationships" xmlns:p="http://schemas.openxmlformats.org/presentationml/2006/main">
+  <p:cSld>
+    <p:spTree>
+      <p:nvGrpSpPr>
+        <p:cNvPr id="1" name=""/>
+        <p:cNvGrpSpPr/>
+        <p:nvPr/>
+      </p:nvGrpSpPr>
+      <p:grpSpPr>
+        <a:xfrm>
+          <a:off x="0" y="0"/>
+          <a:ext cx="0" cy="0"/>
+          <a:chOff x="0" y="0"/>
+          <a:chExt cx="0" cy="0"/>
+        </a:xfrm>
+      </p:grpSpPr>
+      <p:sp>
+        <p:nvSpPr>
+          <p:cNvPr id="2" name="标题 1"/>
+          <p:cNvSpPr>
+            <a:spLocks noGrp="1"/>
+          </p:cNvSpPr>
+          <p:nvPr>
+            <p:ph type="title"/>
+          </p:nvPr>
+        </p:nvSpPr>
+        <p:spPr/>
+        <p:txBody>
+          <a:bodyPr/>
+          <a:lstStyle/>
+          <a:p>
+            <a:r>
+              <a:rPr lang="en-US" altLang="zh-CN" dirty="0"/>
+              <a:t>B+</a:t>
+            </a:r>
+            <a:r>
+              <a:rPr lang="zh-CN" altLang="en-US" dirty="0"/>
+              <a:t>树上</a:t>
+            </a:r>
+            <a:r>
+              <a:rPr lang="zh-CN" altLang="en-US" dirty="0" smtClean="0"/>
+              <a:t>申请写锁</a:t>
+            </a:r>
+            <a:endParaRPr lang="zh-CN" altLang="en-US" dirty="0"/>
+          </a:p>
+        </p:txBody>
+      </p:sp>
+      <p:sp>
+        <p:nvSpPr>
+          <p:cNvPr id="3" name="内容占位符 2"/>
+          <p:cNvSpPr>
+            <a:spLocks noGrp="1"/>
+          </p:cNvSpPr>
+          <p:nvPr>
+            <p:ph idx="1"/>
+          </p:nvPr>
+        </p:nvSpPr>
+        <p:spPr/>
+        <p:txBody>
+          <a:bodyPr/>
+          <a:lstStyle/>
+          <a:p>
+            <a:endParaRPr lang="zh-CN" altLang="en-US" dirty="0"/>
+          </a:p>
+        </p:txBody>
+      </p:sp>
+      <p:sp>
+        <p:nvSpPr>
+          <p:cNvPr id="4" name="文本框 3"/>
+          <p:cNvSpPr txBox="1"/>
+          <p:nvPr/>
+        </p:nvSpPr>
+        <p:spPr>
+          <a:xfrm>
+            <a:off x="6346679" y="4479070"/>
+            <a:ext cx="897890" cy="504004"/>
+          </a:xfrm>
+          <a:prstGeom prst="rect">
+            <a:avLst/>
+          </a:prstGeom>
+          <a:noFill/>
+        </p:spPr>
+        <p:txBody>
+          <a:bodyPr wrap="square" rtlCol="0">
+            <a:spAutoFit/>
+          </a:bodyPr>
+          <a:lstStyle/>
+          <a:p>
+            <a:pPr algn="ctr"/>
+            <a:r>
+              <a:rPr lang="en-US" altLang="zh-CN">
+                <a:solidFill>
+                  <a:srgbClr val="0000CC"/>
+                </a:solidFill>
+              </a:rPr>
+              <a:t>no</a:t>
+            </a:r>
+          </a:p>
+        </p:txBody>
+      </p:sp>
+      <p:sp>
+        <p:nvSpPr>
+          <p:cNvPr id="5" name="文本框 4"/>
+          <p:cNvSpPr txBox="1"/>
+          <p:nvPr/>
+        </p:nvSpPr>
+        <p:spPr>
+          <a:xfrm>
+            <a:off x="4607414" y="588108"/>
+            <a:ext cx="3780028" cy="460375"/>
+          </a:xfrm>
+          <a:prstGeom prst="rect">
+            <a:avLst/>
+          </a:prstGeom>
+          <a:noFill/>
+          <a:ln w="12700">
+            <a:solidFill>
+              <a:schemeClr val="accent1"/>
+            </a:solidFill>
+          </a:ln>
+        </p:spPr>
+        <p:txBody>
+          <a:bodyPr wrap="square" rtlCol="0" anchor="ctr" anchorCtr="0">
+            <a:spAutoFit/>
+          </a:bodyPr>
+          <a:lstStyle/>
+          <a:p>
+            <a:pPr algn="ctr"/>
+            <a:r>
+              <a:rPr lang="en-US" altLang="zh-CN" sz="2400">
+                <a:solidFill>
+                  <a:schemeClr val="accent6"/>
+                </a:solidFill>
+              </a:rPr>
+              <a:t>N := root of B</a:t>
+            </a:r>
+            <a:r>
+              <a:rPr lang="en-US" altLang="zh-CN" sz="2400" baseline="30000">
+                <a:solidFill>
+                  <a:schemeClr val="accent6"/>
+                </a:solidFill>
+              </a:rPr>
+              <a:t>+</a:t>
+            </a:r>
+            <a:r>
+              <a:rPr lang="en-US" altLang="zh-CN" sz="2400">
+                <a:solidFill>
+                  <a:schemeClr val="accent6"/>
+                </a:solidFill>
+              </a:rPr>
+              <a:t> tree</a:t>
+            </a:r>
+            <a:endParaRPr lang="en-US" altLang="zh-CN" sz="2400">
+              <a:solidFill>
+                <a:schemeClr val="accent6"/>
+              </a:solidFill>
+              <a:ea typeface="宋体" panose="02010600030101010101" pitchFamily="2" charset="-122"/>
+            </a:endParaRPr>
+          </a:p>
+        </p:txBody>
+      </p:sp>
+      <p:sp>
+        <p:nvSpPr>
+          <p:cNvPr id="6" name="文本框 5"/>
+          <p:cNvSpPr txBox="1"/>
+          <p:nvPr/>
+        </p:nvSpPr>
+        <p:spPr>
+          <a:xfrm>
+            <a:off x="4607414" y="1450120"/>
+            <a:ext cx="3780028" cy="460375"/>
+          </a:xfrm>
+          <a:prstGeom prst="rect">
+            <a:avLst/>
+          </a:prstGeom>
+          <a:noFill/>
+          <a:ln w="12700">
+            <a:solidFill>
+              <a:schemeClr val="accent1"/>
+            </a:solidFill>
+          </a:ln>
+        </p:spPr>
+        <p:txBody>
+          <a:bodyPr wrap="square" rtlCol="0" anchor="ctr" anchorCtr="0">
+            <a:spAutoFit/>
+          </a:bodyPr>
+          <a:lstStyle/>
+          <a:p>
+            <a:pPr algn="ctr"/>
+            <a:r>
+              <a:rPr lang="zh-CN" altLang="zh-CN" sz="2400">
+                <a:solidFill>
+                  <a:schemeClr val="accent6"/>
+                </a:solidFill>
+                <a:ea typeface="宋体" panose="02010600030101010101" pitchFamily="2" charset="-122"/>
+              </a:rPr>
+              <a:t>申请节点</a:t>
+            </a:r>
+            <a:r>
+              <a:rPr lang="en-US" altLang="zh-CN" sz="2400">
+                <a:solidFill>
+                  <a:schemeClr val="accent6"/>
+                </a:solidFill>
+              </a:rPr>
+              <a:t>N</a:t>
+            </a:r>
+            <a:r>
+              <a:rPr lang="zh-CN" altLang="en-US" sz="2400">
+                <a:solidFill>
+                  <a:schemeClr val="accent6"/>
+                </a:solidFill>
+                <a:ea typeface="宋体" panose="02010600030101010101" pitchFamily="2" charset="-122"/>
+              </a:rPr>
+              <a:t>上的</a:t>
+            </a:r>
+            <a:r>
+              <a:rPr lang="en-US" altLang="zh-CN" sz="2400">
+                <a:solidFill>
+                  <a:schemeClr val="accent6"/>
+                </a:solidFill>
+                <a:ea typeface="宋体" panose="02010600030101010101" pitchFamily="2" charset="-122"/>
+              </a:rPr>
+              <a:t>write lock</a:t>
+            </a:r>
+          </a:p>
+        </p:txBody>
+      </p:sp>
+      <p:sp>
+        <p:nvSpPr>
+          <p:cNvPr id="7" name="菱形 6"/>
+          <p:cNvSpPr/>
+          <p:nvPr/>
+        </p:nvSpPr>
+        <p:spPr>
+          <a:xfrm>
+            <a:off x="4608049" y="3622455"/>
+            <a:ext cx="3780028" cy="920750"/>
+          </a:xfrm>
+          <a:prstGeom prst="diamond">
+            <a:avLst/>
+          </a:prstGeom>
+          <a:noFill/>
+        </p:spPr>
+        <p:style>
+          <a:lnRef idx="2">
+            <a:schemeClr val="accent1">
+              <a:shade val="50000"/>
+            </a:schemeClr>
+          </a:lnRef>
+          <a:fillRef idx="1">
+            <a:schemeClr val="accent1"/>
+          </a:fillRef>
+          <a:effectRef idx="0">
+            <a:schemeClr val="accent1"/>
+          </a:effectRef>
+          <a:fontRef idx="minor">
+            <a:schemeClr val="lt1"/>
+          </a:fontRef>
+        </p:style>
+        <p:txBody>
+          <a:bodyPr rtlCol="0" anchor="ctr" anchorCtr="0">
+            <a:spAutoFit/>
+          </a:bodyPr>
+          <a:lstStyle/>
+          <a:p>
+            <a:pPr algn="ctr"/>
+            <a:r>
+              <a:rPr lang="en-US" altLang="zh-CN" sz="2400">
+                <a:solidFill>
+                  <a:schemeClr val="accent6"/>
+                </a:solidFill>
+                <a:latin typeface="Arial" panose="020B0604020202020204" pitchFamily="34" charset="0"/>
+              </a:rPr>
+              <a:t>N = K ?</a:t>
+            </a:r>
+          </a:p>
+        </p:txBody>
+      </p:sp>
+      <p:sp>
+        <p:nvSpPr>
+          <p:cNvPr id="8" name="文本框 7"/>
+          <p:cNvSpPr txBox="1"/>
+          <p:nvPr/>
+        </p:nvSpPr>
+        <p:spPr>
+          <a:xfrm>
+            <a:off x="9540094" y="3867565"/>
+            <a:ext cx="1223645" cy="460375"/>
+          </a:xfrm>
+          <a:prstGeom prst="rect">
+            <a:avLst/>
+          </a:prstGeom>
+          <a:noFill/>
+        </p:spPr>
+        <p:txBody>
+          <a:bodyPr wrap="square" rtlCol="0">
+            <a:spAutoFit/>
+          </a:bodyPr>
+          <a:lstStyle/>
+          <a:p>
+            <a:pPr algn="ctr"/>
+            <a:r>
+              <a:rPr lang="zh-CN" altLang="zh-CN" sz="2400">
+                <a:solidFill>
+                  <a:schemeClr val="accent6"/>
+                </a:solidFill>
+                <a:ea typeface="宋体" panose="02010600030101010101" pitchFamily="2" charset="-122"/>
+              </a:rPr>
+              <a:t>结束</a:t>
+            </a:r>
+          </a:p>
+        </p:txBody>
+      </p:sp>
+      <p:sp>
+        <p:nvSpPr>
+          <p:cNvPr id="9" name="文本框 8"/>
+          <p:cNvSpPr txBox="1"/>
+          <p:nvPr/>
+        </p:nvSpPr>
+        <p:spPr>
+          <a:xfrm>
+            <a:off x="4607414" y="5234403"/>
+            <a:ext cx="3780028" cy="1198880"/>
+          </a:xfrm>
+          <a:prstGeom prst="rect">
+            <a:avLst/>
+          </a:prstGeom>
+          <a:noFill/>
+          <a:ln w="12700">
+            <a:solidFill>
+              <a:schemeClr val="accent1"/>
+            </a:solidFill>
+          </a:ln>
+        </p:spPr>
+        <p:txBody>
+          <a:bodyPr wrap="square" rtlCol="0" anchor="ctr" anchorCtr="0">
+            <a:spAutoFit/>
+          </a:bodyPr>
+          <a:lstStyle/>
+          <a:p>
+            <a:pPr algn="ctr"/>
+            <a:r>
+              <a:rPr lang="zh-CN" altLang="en-US" sz="2400">
+                <a:solidFill>
+                  <a:schemeClr val="accent6"/>
+                </a:solidFill>
+                <a:ea typeface="宋体" panose="02010600030101010101" pitchFamily="2" charset="-122"/>
+              </a:rPr>
+              <a:t>寻找</a:t>
+            </a:r>
+            <a:r>
+              <a:rPr lang="en-US" altLang="zh-CN" sz="2400">
+                <a:solidFill>
+                  <a:schemeClr val="accent6"/>
+                </a:solidFill>
+                <a:ea typeface="宋体" panose="02010600030101010101" pitchFamily="2" charset="-122"/>
+              </a:rPr>
+              <a:t>N</a:t>
+            </a:r>
+            <a:r>
+              <a:rPr lang="zh-CN" altLang="en-US" sz="2400">
+                <a:solidFill>
+                  <a:schemeClr val="accent6"/>
+                </a:solidFill>
+                <a:ea typeface="宋体" panose="02010600030101010101" pitchFamily="2" charset="-122"/>
+              </a:rPr>
+              <a:t>的子节点</a:t>
+            </a:r>
+            <a:r>
+              <a:rPr lang="en-US" altLang="zh-CN" sz="2400">
+                <a:solidFill>
+                  <a:schemeClr val="accent6"/>
+                </a:solidFill>
+                <a:ea typeface="宋体" panose="02010600030101010101" pitchFamily="2" charset="-122"/>
+              </a:rPr>
+              <a:t>M</a:t>
+            </a:r>
+            <a:endParaRPr lang="zh-CN" altLang="en-US" sz="2400">
+              <a:solidFill>
+                <a:schemeClr val="accent6"/>
+              </a:solidFill>
+              <a:ea typeface="宋体" panose="02010600030101010101" pitchFamily="2" charset="-122"/>
+            </a:endParaRPr>
+          </a:p>
+          <a:p>
+            <a:pPr algn="ctr"/>
+            <a:r>
+              <a:rPr lang="zh-CN" altLang="en-US" sz="2400">
+                <a:solidFill>
+                  <a:schemeClr val="accent6"/>
+                </a:solidFill>
+                <a:ea typeface="宋体" panose="02010600030101010101" pitchFamily="2" charset="-122"/>
+              </a:rPr>
+              <a:t>申请节点</a:t>
+            </a:r>
+            <a:r>
+              <a:rPr lang="en-US" altLang="zh-CN" sz="2400">
+                <a:solidFill>
+                  <a:schemeClr val="accent6"/>
+                </a:solidFill>
+                <a:ea typeface="宋体" panose="02010600030101010101" pitchFamily="2" charset="-122"/>
+              </a:rPr>
+              <a:t>M</a:t>
+            </a:r>
+            <a:r>
+              <a:rPr lang="zh-CN" altLang="en-US" sz="2400">
+                <a:solidFill>
+                  <a:schemeClr val="accent6"/>
+                </a:solidFill>
+                <a:ea typeface="宋体" panose="02010600030101010101" pitchFamily="2" charset="-122"/>
+              </a:rPr>
+              <a:t>上的</a:t>
+            </a:r>
+            <a:r>
+              <a:rPr lang="en-US" altLang="zh-CN" sz="2400">
+                <a:solidFill>
+                  <a:schemeClr val="accent6"/>
+                </a:solidFill>
+                <a:ea typeface="宋体" panose="02010600030101010101" pitchFamily="2" charset="-122"/>
+              </a:rPr>
+              <a:t>write lock</a:t>
+            </a:r>
+          </a:p>
+          <a:p>
+            <a:pPr algn="ctr"/>
+            <a:r>
+              <a:rPr lang="en-US" altLang="zh-CN" sz="2400">
+                <a:solidFill>
+                  <a:schemeClr val="accent6"/>
+                </a:solidFill>
+                <a:ea typeface="宋体" panose="02010600030101010101" pitchFamily="2" charset="-122"/>
+              </a:rPr>
+              <a:t>N := M</a:t>
+            </a:r>
+          </a:p>
+        </p:txBody>
+      </p:sp>
+      <p:sp>
+        <p:nvSpPr>
+          <p:cNvPr id="10" name="文本框 9"/>
+          <p:cNvSpPr txBox="1"/>
+          <p:nvPr/>
+        </p:nvSpPr>
+        <p:spPr>
+          <a:xfrm>
+            <a:off x="3358369" y="2320070"/>
+            <a:ext cx="6242685" cy="829945"/>
+          </a:xfrm>
+          <a:prstGeom prst="rect">
+            <a:avLst/>
+          </a:prstGeom>
+          <a:noFill/>
+          <a:ln w="12700">
+            <a:solidFill>
+              <a:schemeClr val="accent1"/>
+            </a:solidFill>
+          </a:ln>
+        </p:spPr>
+        <p:txBody>
+          <a:bodyPr wrap="square" rtlCol="0" anchor="ctr" anchorCtr="0">
+            <a:spAutoFit/>
+          </a:bodyPr>
+          <a:lstStyle/>
+          <a:p>
+            <a:pPr algn="ctr"/>
+            <a:r>
+              <a:rPr lang="en-US" altLang="zh-CN" sz="2400">
+                <a:solidFill>
+                  <a:schemeClr val="accent6"/>
+                </a:solidFill>
+                <a:ea typeface="宋体" panose="02010600030101010101" pitchFamily="2" charset="-122"/>
+              </a:rPr>
+              <a:t>if  ( </a:t>
+            </a:r>
+            <a:r>
+              <a:rPr lang="zh-CN" altLang="zh-CN" sz="2400">
+                <a:solidFill>
+                  <a:schemeClr val="accent6"/>
+                </a:solidFill>
+                <a:ea typeface="宋体" panose="02010600030101010101" pitchFamily="2" charset="-122"/>
+              </a:rPr>
+              <a:t>节点</a:t>
+            </a:r>
+            <a:r>
+              <a:rPr lang="en-US" altLang="zh-CN" sz="2400">
+                <a:solidFill>
+                  <a:schemeClr val="accent6"/>
+                </a:solidFill>
+                <a:ea typeface="宋体" panose="02010600030101010101" pitchFamily="2" charset="-122"/>
+              </a:rPr>
+              <a:t>N not full )</a:t>
+            </a:r>
+          </a:p>
+          <a:p>
+            <a:pPr algn="ctr"/>
+            <a:r>
+              <a:rPr lang="en-US" altLang="zh-CN" sz="2400">
+                <a:solidFill>
+                  <a:schemeClr val="accent6"/>
+                </a:solidFill>
+                <a:ea typeface="宋体" panose="02010600030101010101" pitchFamily="2" charset="-122"/>
+              </a:rPr>
+              <a:t>then (</a:t>
+            </a:r>
+            <a:r>
+              <a:rPr lang="zh-CN" altLang="en-US" sz="2400">
+                <a:solidFill>
+                  <a:schemeClr val="accent6"/>
+                </a:solidFill>
+                <a:ea typeface="宋体" panose="02010600030101010101" pitchFamily="2" charset="-122"/>
+              </a:rPr>
+              <a:t>释放</a:t>
+            </a:r>
+            <a:r>
+              <a:rPr lang="en-US" altLang="zh-CN" sz="2400">
+                <a:solidFill>
+                  <a:schemeClr val="accent6"/>
+                </a:solidFill>
+                <a:ea typeface="宋体" panose="02010600030101010101" pitchFamily="2" charset="-122"/>
+              </a:rPr>
+              <a:t>N</a:t>
+            </a:r>
+            <a:r>
+              <a:rPr lang="zh-CN" altLang="en-US" sz="2400">
+                <a:solidFill>
+                  <a:schemeClr val="accent6"/>
+                </a:solidFill>
+                <a:ea typeface="宋体" panose="02010600030101010101" pitchFamily="2" charset="-122"/>
+              </a:rPr>
+              <a:t>的所有祖先节点上的</a:t>
+            </a:r>
+            <a:r>
+              <a:rPr lang="en-US" altLang="zh-CN" sz="2400">
+                <a:solidFill>
+                  <a:schemeClr val="accent6"/>
+                </a:solidFill>
+                <a:ea typeface="宋体" panose="02010600030101010101" pitchFamily="2" charset="-122"/>
+              </a:rPr>
+              <a:t>write lock)</a:t>
+            </a:r>
+          </a:p>
+        </p:txBody>
+      </p:sp>
+      <p:cxnSp>
+        <p:nvCxnSpPr>
+          <p:cNvPr id="11" name="直接箭头连接符 10"/>
+          <p:cNvCxnSpPr>
+            <a:stCxn id="5" idx="2"/>
+            <a:endCxn id="6" idx="0"/>
+          </p:cNvCxnSpPr>
+          <p:nvPr/>
+        </p:nvCxnSpPr>
+        <p:spPr>
+          <a:xfrm>
+            <a:off x="6497809" y="1048800"/>
+            <a:ext cx="0" cy="401320"/>
+          </a:xfrm>
+          <a:prstGeom prst="straightConnector1">
+            <a:avLst/>
+          </a:prstGeom>
+          <a:ln w="25400">
+            <a:tailEnd type="arrow" w="lg" len="med"/>
+          </a:ln>
+        </p:spPr>
+        <p:style>
+          <a:lnRef idx="1">
+            <a:schemeClr val="accent1"/>
+          </a:lnRef>
+          <a:fillRef idx="0">
+            <a:schemeClr val="accent1"/>
+          </a:fillRef>
+          <a:effectRef idx="0">
+            <a:schemeClr val="accent1"/>
+          </a:effectRef>
+          <a:fontRef idx="minor">
+            <a:schemeClr val="tx1"/>
+          </a:fontRef>
+        </p:style>
+      </p:cxnSp>
+      <p:cxnSp>
+        <p:nvCxnSpPr>
+          <p:cNvPr id="12" name="直接箭头连接符 11"/>
+          <p:cNvCxnSpPr/>
+          <p:nvPr/>
+        </p:nvCxnSpPr>
+        <p:spPr>
+          <a:xfrm>
+            <a:off x="6473679" y="1931450"/>
+            <a:ext cx="0" cy="401320"/>
+          </a:xfrm>
+          <a:prstGeom prst="straightConnector1">
+            <a:avLst/>
+          </a:prstGeom>
+          <a:ln w="25400">
+            <a:tailEnd type="arrow" w="lg" len="med"/>
+          </a:ln>
+        </p:spPr>
+        <p:style>
+          <a:lnRef idx="1">
+            <a:schemeClr val="accent1"/>
+          </a:lnRef>
+          <a:fillRef idx="0">
+            <a:schemeClr val="accent1"/>
+          </a:fillRef>
+          <a:effectRef idx="0">
+            <a:schemeClr val="accent1"/>
+          </a:effectRef>
+          <a:fontRef idx="minor">
+            <a:schemeClr val="tx1"/>
+          </a:fontRef>
+        </p:style>
+      </p:cxnSp>
+      <p:cxnSp>
+        <p:nvCxnSpPr>
+          <p:cNvPr id="13" name="直接箭头连接符 12"/>
+          <p:cNvCxnSpPr/>
+          <p:nvPr/>
+        </p:nvCxnSpPr>
+        <p:spPr>
+          <a:xfrm>
+            <a:off x="6473679" y="4576225"/>
+            <a:ext cx="0" cy="612005"/>
+          </a:xfrm>
+          <a:prstGeom prst="straightConnector1">
+            <a:avLst/>
+          </a:prstGeom>
+          <a:ln w="25400">
+            <a:tailEnd type="arrow" w="lg" len="med"/>
+          </a:ln>
+        </p:spPr>
+        <p:style>
+          <a:lnRef idx="1">
+            <a:schemeClr val="accent1"/>
+          </a:lnRef>
+          <a:fillRef idx="0">
+            <a:schemeClr val="accent1"/>
+          </a:fillRef>
+          <a:effectRef idx="0">
+            <a:schemeClr val="accent1"/>
+          </a:effectRef>
+          <a:fontRef idx="minor">
+            <a:schemeClr val="tx1"/>
+          </a:fontRef>
+        </p:style>
+      </p:cxnSp>
+      <p:cxnSp>
+        <p:nvCxnSpPr>
+          <p:cNvPr id="14" name="直接箭头连接符 13"/>
+          <p:cNvCxnSpPr/>
+          <p:nvPr/>
+        </p:nvCxnSpPr>
+        <p:spPr>
+          <a:xfrm>
+            <a:off x="6449549" y="3191925"/>
+            <a:ext cx="0" cy="401320"/>
+          </a:xfrm>
+          <a:prstGeom prst="straightConnector1">
+            <a:avLst/>
+          </a:prstGeom>
+          <a:ln w="25400">
+            <a:tailEnd type="arrow" w="lg" len="med"/>
+          </a:ln>
+        </p:spPr>
+        <p:style>
+          <a:lnRef idx="1">
+            <a:schemeClr val="accent1"/>
+          </a:lnRef>
+          <a:fillRef idx="0">
+            <a:schemeClr val="accent1"/>
+          </a:fillRef>
+          <a:effectRef idx="0">
+            <a:schemeClr val="accent1"/>
+          </a:effectRef>
+          <a:fontRef idx="minor">
+            <a:schemeClr val="tx1"/>
+          </a:fontRef>
+        </p:style>
+      </p:cxnSp>
+      <p:cxnSp>
+        <p:nvCxnSpPr>
+          <p:cNvPr id="15" name="直接箭头连接符 14"/>
+          <p:cNvCxnSpPr/>
+          <p:nvPr/>
+        </p:nvCxnSpPr>
+        <p:spPr>
+          <a:xfrm>
+            <a:off x="8388204" y="4067590"/>
+            <a:ext cx="1152008" cy="29845"/>
+          </a:xfrm>
+          <a:prstGeom prst="straightConnector1">
+            <a:avLst/>
+          </a:prstGeom>
+          <a:ln w="25400">
+            <a:tailEnd type="arrow" w="lg" len="med"/>
+          </a:ln>
+        </p:spPr>
+        <p:style>
+          <a:lnRef idx="1">
+            <a:schemeClr val="accent1"/>
+          </a:lnRef>
+          <a:fillRef idx="0">
+            <a:schemeClr val="accent1"/>
+          </a:fillRef>
+          <a:effectRef idx="0">
+            <a:schemeClr val="accent1"/>
+          </a:effectRef>
+          <a:fontRef idx="minor">
+            <a:schemeClr val="tx1"/>
+          </a:fontRef>
+        </p:style>
+      </p:cxnSp>
+      <p:cxnSp>
+        <p:nvCxnSpPr>
+          <p:cNvPr id="16" name="直接箭头连接符 15"/>
+          <p:cNvCxnSpPr/>
+          <p:nvPr/>
+        </p:nvCxnSpPr>
+        <p:spPr>
+          <a:xfrm>
+            <a:off x="2700509" y="2768380"/>
+            <a:ext cx="612005" cy="29845"/>
+          </a:xfrm>
+          <a:prstGeom prst="straightConnector1">
+            <a:avLst/>
+          </a:prstGeom>
+          <a:ln w="25400">
+            <a:tailEnd type="arrow" w="lg" len="med"/>
+          </a:ln>
+        </p:spPr>
+        <p:style>
+          <a:lnRef idx="1">
+            <a:schemeClr val="accent1"/>
+          </a:lnRef>
+          <a:fillRef idx="0">
+            <a:schemeClr val="accent1"/>
+          </a:fillRef>
+          <a:effectRef idx="0">
+            <a:schemeClr val="accent1"/>
+          </a:effectRef>
+          <a:fontRef idx="minor">
+            <a:schemeClr val="tx1"/>
+          </a:fontRef>
+        </p:style>
+      </p:cxnSp>
+      <p:cxnSp>
+        <p:nvCxnSpPr>
+          <p:cNvPr id="17" name="直接箭头连接符 16"/>
+          <p:cNvCxnSpPr/>
+          <p:nvPr/>
+        </p:nvCxnSpPr>
+        <p:spPr>
+          <a:xfrm>
+            <a:off x="2700509" y="5605560"/>
+            <a:ext cx="1908014" cy="29845"/>
+          </a:xfrm>
+          <a:prstGeom prst="straightConnector1">
+            <a:avLst/>
+          </a:prstGeom>
+          <a:ln w="25400">
+            <a:tailEnd type="none" w="lg" len="med"/>
+          </a:ln>
+        </p:spPr>
+        <p:style>
+          <a:lnRef idx="1">
+            <a:schemeClr val="accent1"/>
+          </a:lnRef>
+          <a:fillRef idx="0">
+            <a:schemeClr val="accent1"/>
+          </a:fillRef>
+          <a:effectRef idx="0">
+            <a:schemeClr val="accent1"/>
+          </a:effectRef>
+          <a:fontRef idx="minor">
+            <a:schemeClr val="tx1"/>
+          </a:fontRef>
+        </p:style>
+      </p:cxnSp>
+      <p:cxnSp>
+        <p:nvCxnSpPr>
+          <p:cNvPr id="18" name="直接箭头连接符 17"/>
+          <p:cNvCxnSpPr/>
+          <p:nvPr/>
+        </p:nvCxnSpPr>
+        <p:spPr>
+          <a:xfrm>
+            <a:off x="2700509" y="2768380"/>
+            <a:ext cx="0" cy="2808021"/>
+          </a:xfrm>
+          <a:prstGeom prst="straightConnector1">
+            <a:avLst/>
+          </a:prstGeom>
+          <a:ln w="25400">
+            <a:tailEnd type="none" w="lg" len="med"/>
+          </a:ln>
+        </p:spPr>
+        <p:style>
+          <a:lnRef idx="1">
+            <a:schemeClr val="accent1"/>
+          </a:lnRef>
+          <a:fillRef idx="0">
+            <a:schemeClr val="accent1"/>
+          </a:fillRef>
+          <a:effectRef idx="0">
+            <a:schemeClr val="accent1"/>
+          </a:effectRef>
+          <a:fontRef idx="minor">
+            <a:schemeClr val="tx1"/>
+          </a:fontRef>
+        </p:style>
+      </p:cxnSp>
+      <p:sp>
+        <p:nvSpPr>
+          <p:cNvPr id="19" name="文本框 18"/>
+          <p:cNvSpPr txBox="1"/>
+          <p:nvPr/>
+        </p:nvSpPr>
+        <p:spPr>
+          <a:xfrm>
+            <a:off x="8515204" y="3622455"/>
+            <a:ext cx="897890" cy="521970"/>
+          </a:xfrm>
+          <a:prstGeom prst="rect">
+            <a:avLst/>
+          </a:prstGeom>
+          <a:noFill/>
+        </p:spPr>
+        <p:txBody>
+          <a:bodyPr wrap="square" rtlCol="0">
+            <a:spAutoFit/>
+          </a:bodyPr>
+          <a:lstStyle/>
+          <a:p>
+            <a:pPr algn="ctr"/>
+            <a:r>
+              <a:rPr lang="en-US" altLang="zh-CN">
+                <a:solidFill>
+                  <a:srgbClr val="0000CC"/>
+                </a:solidFill>
+              </a:rPr>
+              <a:t>yes</a:t>
+            </a:r>
+          </a:p>
+        </p:txBody>
+      </p:sp>
+    </p:spTree>
+    <p:extLst>
+      <p:ext uri="{BB962C8B-B14F-4D97-AF65-F5344CB8AC3E}">
+        <p14:creationId xmlns:p14="http://schemas.microsoft.com/office/powerpoint/2010/main" val="815799132"/>
+      </p:ext>
+    </p:extLst>
+  </p:cSld>
+  <p:clrMapOvr>
+    <a:masterClrMapping/>
+  </p:clrMapOvr>
+</p:sld>
+</file>
+
+<file path=ppt/slides/slide28.xml><?xml version="1.0" encoding="utf-8"?>
+<p:sld xmlns:a="http://schemas.openxmlformats.org/drawingml/2006/main" xmlns:r="http://schemas.openxmlformats.org/officeDocument/2006/relationships" xmlns:p="http://schemas.openxmlformats.org/presentationml/2006/main">
+  <p:cSld>
+    <p:spTree>
+      <p:nvGrpSpPr>
+        <p:cNvPr id="1" name=""/>
+        <p:cNvGrpSpPr/>
+        <p:nvPr/>
+      </p:nvGrpSpPr>
+      <p:grpSpPr>
+        <a:xfrm>
+          <a:off x="0" y="0"/>
+          <a:ext cx="0" cy="0"/>
+          <a:chOff x="0" y="0"/>
+          <a:chExt cx="0" cy="0"/>
+        </a:xfrm>
+      </p:grpSpPr>
+      <p:sp>
+        <p:nvSpPr>
+          <p:cNvPr id="2" name="标题 1"/>
+          <p:cNvSpPr>
+            <a:spLocks noGrp="1"/>
+          </p:cNvSpPr>
+          <p:nvPr>
+            <p:ph type="title"/>
+          </p:nvPr>
+        </p:nvSpPr>
+        <p:spPr/>
+        <p:txBody>
+          <a:bodyPr/>
+          <a:lstStyle/>
+          <a:p>
+            <a:r>
+              <a:rPr lang="zh-CN" altLang="en-US" dirty="0" smtClean="0"/>
+              <a:t>实现分布式事务处理</a:t>
+            </a:r>
+            <a:endParaRPr lang="zh-CN" altLang="en-US" dirty="0"/>
+          </a:p>
+        </p:txBody>
+      </p:sp>
+      <p:sp>
+        <p:nvSpPr>
+          <p:cNvPr id="3" name="内容占位符 2"/>
+          <p:cNvSpPr>
+            <a:spLocks noGrp="1"/>
+          </p:cNvSpPr>
+          <p:nvPr>
+            <p:ph idx="1"/>
+          </p:nvPr>
+        </p:nvSpPr>
+        <p:spPr/>
+        <p:txBody>
+          <a:bodyPr/>
+          <a:lstStyle/>
+          <a:p>
+            <a:r>
+              <a:rPr lang="en-US" altLang="zh-CN" dirty="0" smtClean="0"/>
+              <a:t>1.</a:t>
+            </a:r>
+            <a:r>
+              <a:rPr lang="zh-CN" altLang="en-US" dirty="0" smtClean="0"/>
+              <a:t>分布式事务与分布式数据库系统</a:t>
+            </a:r>
+            <a:endParaRPr lang="en-US" altLang="zh-CN" dirty="0" smtClean="0"/>
+          </a:p>
+          <a:p>
+            <a:r>
+              <a:rPr lang="en-US" altLang="zh-CN" dirty="0" smtClean="0"/>
+              <a:t>2.</a:t>
+            </a:r>
+            <a:r>
+              <a:rPr lang="zh-CN" altLang="en-US" dirty="0" smtClean="0"/>
+              <a:t>原子提交协议</a:t>
+            </a:r>
+            <a:endParaRPr lang="en-US" altLang="zh-CN" dirty="0" smtClean="0"/>
+          </a:p>
+          <a:p>
+            <a:pPr lvl="1"/>
+            <a:r>
+              <a:rPr lang="zh-CN" altLang="en-US" dirty="0"/>
+              <a:t>两</a:t>
+            </a:r>
+            <a:r>
+              <a:rPr lang="zh-CN" altLang="en-US" dirty="0" smtClean="0"/>
+              <a:t>阶段原子提交协议</a:t>
+            </a:r>
+            <a:endParaRPr lang="en-US" altLang="zh-CN" dirty="0"/>
+          </a:p>
+          <a:p>
+            <a:pPr lvl="1"/>
+            <a:r>
+              <a:rPr lang="zh-CN" altLang="en-US" dirty="0" smtClean="0"/>
+              <a:t>错误处理</a:t>
+            </a:r>
+            <a:endParaRPr lang="en-US" altLang="zh-CN" dirty="0" smtClean="0"/>
+          </a:p>
+          <a:p>
+            <a:r>
+              <a:rPr lang="en-US" altLang="zh-CN" dirty="0" smtClean="0"/>
+              <a:t>3.</a:t>
+            </a:r>
+            <a:r>
+              <a:rPr lang="zh-CN" altLang="en-US" dirty="0" smtClean="0"/>
+              <a:t>全局死锁与全局独立性</a:t>
+            </a:r>
+            <a:endParaRPr lang="en-US" altLang="zh-CN" dirty="0" smtClean="0"/>
+          </a:p>
+          <a:p>
+            <a:r>
+              <a:rPr lang="en-US" altLang="zh-CN" dirty="0" smtClean="0"/>
+              <a:t>4.</a:t>
+            </a:r>
+            <a:r>
+              <a:rPr lang="zh-CN" altLang="en-US" dirty="0" smtClean="0"/>
+              <a:t>分布式事务</a:t>
+            </a:r>
+            <a:endParaRPr lang="en-US" altLang="zh-CN" dirty="0" smtClean="0"/>
+          </a:p>
+          <a:p>
+            <a:pPr lvl="1"/>
+            <a:r>
+              <a:rPr lang="zh-CN" altLang="en-US" dirty="0" smtClean="0"/>
+              <a:t>数据复制</a:t>
+            </a:r>
+            <a:endParaRPr lang="en-US" altLang="zh-CN" dirty="0" smtClean="0"/>
+          </a:p>
+          <a:p>
+            <a:pPr lvl="1"/>
+            <a:r>
+              <a:rPr lang="zh-CN" altLang="en-US" dirty="0" smtClean="0"/>
+              <a:t>冲突处理</a:t>
+            </a:r>
+            <a:endParaRPr lang="en-US" altLang="zh-CN" dirty="0" smtClean="0"/>
+          </a:p>
+          <a:p>
+            <a:pPr lvl="1"/>
+            <a:r>
+              <a:rPr lang="zh-CN" altLang="en-US" dirty="0" smtClean="0"/>
+              <a:t>过程化</a:t>
+            </a:r>
+            <a:r>
+              <a:rPr lang="zh-CN" altLang="en-US" dirty="0"/>
+              <a:t>复制</a:t>
+            </a:r>
+            <a:endParaRPr lang="en-US" altLang="zh-CN" dirty="0" smtClean="0"/>
+          </a:p>
+        </p:txBody>
+      </p:sp>
+    </p:spTree>
+    <p:extLst>
+      <p:ext uri="{BB962C8B-B14F-4D97-AF65-F5344CB8AC3E}">
+        <p14:creationId xmlns:p14="http://schemas.microsoft.com/office/powerpoint/2010/main" val="1105788465"/>
+      </p:ext>
+    </p:extLst>
+  </p:cSld>
+  <p:clrMapOvr>
+    <a:masterClrMapping/>
+  </p:clrMapOvr>
+</p:sld>
+</file>
+
+<file path=ppt/slides/slide29.xml><?xml version="1.0" encoding="utf-8"?>
+<p:sld xmlns:a="http://schemas.openxmlformats.org/drawingml/2006/main" xmlns:r="http://schemas.openxmlformats.org/officeDocument/2006/relationships" xmlns:p="http://schemas.openxmlformats.org/presentationml/2006/main">
+  <p:cSld>
+    <p:spTree>
+      <p:nvGrpSpPr>
+        <p:cNvPr id="1" name=""/>
+        <p:cNvGrpSpPr/>
+        <p:nvPr/>
+      </p:nvGrpSpPr>
+      <p:grpSpPr>
+        <a:xfrm>
+          <a:off x="0" y="0"/>
+          <a:ext cx="0" cy="0"/>
+          <a:chOff x="0" y="0"/>
+          <a:chExt cx="0" cy="0"/>
+        </a:xfrm>
+      </p:grpSpPr>
+      <p:sp>
+        <p:nvSpPr>
+          <p:cNvPr id="2" name="标题 1"/>
+          <p:cNvSpPr>
+            <a:spLocks noGrp="1"/>
+          </p:cNvSpPr>
+          <p:nvPr>
+            <p:ph type="title"/>
+          </p:nvPr>
+        </p:nvSpPr>
+        <p:spPr/>
+        <p:txBody>
+          <a:bodyPr/>
+          <a:lstStyle/>
+          <a:p>
+            <a:r>
+              <a:rPr lang="zh-CN" altLang="en-US" dirty="0"/>
+              <a:t>分布式事务与分布式数据库系统</a:t>
+            </a:r>
+          </a:p>
+        </p:txBody>
+      </p:sp>
+      <p:sp>
+        <p:nvSpPr>
+          <p:cNvPr id="3" name="内容占位符 2"/>
+          <p:cNvSpPr>
+            <a:spLocks noGrp="1"/>
+          </p:cNvSpPr>
+          <p:nvPr>
+            <p:ph idx="1"/>
+          </p:nvPr>
+        </p:nvSpPr>
+        <p:spPr/>
+        <p:txBody>
+          <a:bodyPr>
+            <a:normAutofit/>
+          </a:bodyPr>
+          <a:lstStyle/>
+          <a:p>
+            <a:r>
+              <a:rPr lang="zh-CN" altLang="en-US" sz="2800" dirty="0"/>
+              <a:t>一</a:t>
+            </a:r>
+            <a:r>
+              <a:rPr lang="zh-CN" altLang="en-US" sz="2800" dirty="0" smtClean="0"/>
+              <a:t>个</a:t>
+            </a:r>
+            <a:r>
+              <a:rPr lang="zh-CN" altLang="en-US" sz="2800" dirty="0" smtClean="0">
+                <a:solidFill>
+                  <a:schemeClr val="accent1"/>
+                </a:solidFill>
+              </a:rPr>
+              <a:t>分布式事务</a:t>
+            </a:r>
+            <a:r>
+              <a:rPr lang="zh-CN" altLang="en-US" sz="2800" dirty="0" smtClean="0"/>
+              <a:t>需要访问分布在网络中的资源管理器。</a:t>
+            </a:r>
+            <a:endParaRPr lang="en-US" altLang="zh-CN" sz="2800" dirty="0" smtClean="0"/>
+          </a:p>
+          <a:p>
+            <a:r>
+              <a:rPr lang="zh-CN" altLang="en-US" sz="2800" dirty="0"/>
+              <a:t>当</a:t>
+            </a:r>
+            <a:r>
+              <a:rPr lang="zh-CN" altLang="en-US" sz="2800" dirty="0" smtClean="0"/>
+              <a:t>这个资源管理器是</a:t>
+            </a:r>
+            <a:r>
+              <a:rPr lang="zh-CN" altLang="en-US" sz="2800" dirty="0" smtClean="0">
+                <a:solidFill>
+                  <a:schemeClr val="accent1"/>
+                </a:solidFill>
+              </a:rPr>
+              <a:t>分布式数据库管理系统</a:t>
+            </a:r>
+            <a:r>
+              <a:rPr lang="zh-CN" altLang="en-US" sz="2800" dirty="0" smtClean="0"/>
+              <a:t>时，我们称这个系统为</a:t>
+            </a:r>
+            <a:r>
+              <a:rPr lang="zh-CN" altLang="en-US" sz="2800" dirty="0" smtClean="0">
+                <a:solidFill>
+                  <a:schemeClr val="accent1"/>
+                </a:solidFill>
+              </a:rPr>
+              <a:t>分布式数据库</a:t>
+            </a:r>
+            <a:r>
+              <a:rPr lang="zh-CN" altLang="en-US" sz="2800" dirty="0" smtClean="0"/>
+              <a:t>系统。</a:t>
+            </a:r>
+            <a:endParaRPr lang="en-US" altLang="zh-CN" sz="2800" dirty="0" smtClean="0"/>
+          </a:p>
+          <a:p>
+            <a:r>
+              <a:rPr lang="en-US" altLang="zh-CN" sz="2800" dirty="0" smtClean="0">
+                <a:solidFill>
+                  <a:schemeClr val="accent1"/>
+                </a:solidFill>
+              </a:rPr>
+              <a:t>Coordinator</a:t>
+            </a:r>
+            <a:r>
+              <a:rPr lang="en-US" altLang="zh-CN" sz="2800" dirty="0" smtClean="0"/>
+              <a:t>——</a:t>
+            </a:r>
+            <a:r>
+              <a:rPr lang="zh-CN" altLang="en-US" sz="2800" dirty="0" smtClean="0"/>
+              <a:t>事务管理器</a:t>
+            </a:r>
+            <a:endParaRPr lang="en-US" altLang="zh-CN" sz="2800" dirty="0" smtClean="0"/>
+          </a:p>
+          <a:p>
+            <a:r>
+              <a:rPr lang="en-US" altLang="zh-CN" sz="2800" dirty="0" smtClean="0">
+                <a:solidFill>
+                  <a:schemeClr val="accent1"/>
+                </a:solidFill>
+              </a:rPr>
+              <a:t>Cohort</a:t>
+            </a:r>
+            <a:r>
+              <a:rPr lang="en-US" altLang="zh-CN" sz="2800" dirty="0" smtClean="0"/>
+              <a:t>——</a:t>
+            </a:r>
+            <a:r>
+              <a:rPr lang="zh-CN" altLang="en-US" sz="2800" dirty="0" smtClean="0"/>
+              <a:t>每个站点</a:t>
+            </a:r>
+            <a:endParaRPr lang="zh-CN" altLang="en-US" sz="2800" dirty="0"/>
+          </a:p>
+        </p:txBody>
+      </p:sp>
+    </p:spTree>
+    <p:extLst>
+      <p:ext uri="{BB962C8B-B14F-4D97-AF65-F5344CB8AC3E}">
+        <p14:creationId xmlns:p14="http://schemas.microsoft.com/office/powerpoint/2010/main" val="3596058282"/>
       </p:ext>
     </p:extLst>
   </p:cSld>
@@ -11169,6 +13409,1963 @@
 </p:sld>
 </file>
 
+<file path=ppt/slides/slide30.xml><?xml version="1.0" encoding="utf-8"?>
+<p:sld xmlns:a="http://schemas.openxmlformats.org/drawingml/2006/main" xmlns:r="http://schemas.openxmlformats.org/officeDocument/2006/relationships" xmlns:p="http://schemas.openxmlformats.org/presentationml/2006/main">
+  <p:cSld>
+    <p:spTree>
+      <p:nvGrpSpPr>
+        <p:cNvPr id="1" name=""/>
+        <p:cNvGrpSpPr/>
+        <p:nvPr/>
+      </p:nvGrpSpPr>
+      <p:grpSpPr>
+        <a:xfrm>
+          <a:off x="0" y="0"/>
+          <a:ext cx="0" cy="0"/>
+          <a:chOff x="0" y="0"/>
+          <a:chExt cx="0" cy="0"/>
+        </a:xfrm>
+      </p:grpSpPr>
+      <p:sp>
+        <p:nvSpPr>
+          <p:cNvPr id="2" name="标题 1"/>
+          <p:cNvSpPr>
+            <a:spLocks noGrp="1"/>
+          </p:cNvSpPr>
+          <p:nvPr>
+            <p:ph type="title"/>
+          </p:nvPr>
+        </p:nvSpPr>
+        <p:spPr/>
+        <p:txBody>
+          <a:bodyPr/>
+          <a:lstStyle/>
+          <a:p>
+            <a:r>
+              <a:rPr lang="en-US" altLang="zh-CN" dirty="0" smtClean="0"/>
+              <a:t>ACID</a:t>
+            </a:r>
+            <a:r>
+              <a:rPr lang="zh-CN" altLang="en-US" dirty="0" smtClean="0"/>
+              <a:t>特性</a:t>
+            </a:r>
+            <a:endParaRPr lang="zh-CN" altLang="en-US" dirty="0"/>
+          </a:p>
+        </p:txBody>
+      </p:sp>
+      <p:sp>
+        <p:nvSpPr>
+          <p:cNvPr id="3" name="内容占位符 2"/>
+          <p:cNvSpPr>
+            <a:spLocks noGrp="1"/>
+          </p:cNvSpPr>
+          <p:nvPr>
+            <p:ph idx="1"/>
+          </p:nvPr>
+        </p:nvSpPr>
+        <p:spPr/>
+        <p:txBody>
+          <a:bodyPr>
+            <a:normAutofit/>
+          </a:bodyPr>
+          <a:lstStyle/>
+          <a:p>
+            <a:r>
+              <a:rPr lang="zh-CN" altLang="en-US" sz="2400" dirty="0" smtClean="0"/>
+              <a:t>对于每个本地的分布式数据库管理系统：</a:t>
+            </a:r>
+            <a:endParaRPr lang="en-US" altLang="zh-CN" sz="2400" dirty="0" smtClean="0"/>
+          </a:p>
+          <a:p>
+            <a:pPr lvl="1"/>
+            <a:r>
+              <a:rPr lang="zh-CN" altLang="en-US" sz="2000" dirty="0"/>
+              <a:t>对每个子事务保证其</a:t>
+            </a:r>
+            <a:r>
+              <a:rPr lang="en-US" altLang="zh-CN" sz="2000" dirty="0"/>
+              <a:t>ACID</a:t>
+            </a:r>
+            <a:r>
+              <a:rPr lang="zh-CN" altLang="en-US" sz="2000" dirty="0"/>
+              <a:t>特性</a:t>
+            </a:r>
+            <a:endParaRPr lang="en-US" altLang="zh-CN" sz="2000" dirty="0"/>
+          </a:p>
+          <a:p>
+            <a:pPr lvl="1"/>
+            <a:r>
+              <a:rPr lang="zh-CN" altLang="en-US" sz="2000" dirty="0"/>
+              <a:t>检测本地死锁</a:t>
+            </a:r>
+            <a:endParaRPr lang="en-US" altLang="zh-CN" sz="2000" dirty="0"/>
+          </a:p>
+          <a:p>
+            <a:r>
+              <a:rPr lang="zh-CN" altLang="en-US" sz="2400" dirty="0" smtClean="0"/>
+              <a:t>额外要求：</a:t>
+            </a:r>
+            <a:endParaRPr lang="en-US" altLang="zh-CN" sz="2400" dirty="0" smtClean="0"/>
+          </a:p>
+          <a:p>
+            <a:pPr lvl="1"/>
+            <a:r>
+              <a:rPr lang="zh-CN" altLang="en-US" sz="2000" dirty="0" smtClean="0"/>
+              <a:t>全局原子性</a:t>
+            </a:r>
+            <a:endParaRPr lang="en-US" altLang="zh-CN" sz="2000" dirty="0" smtClean="0"/>
+          </a:p>
+          <a:p>
+            <a:pPr lvl="1"/>
+            <a:r>
+              <a:rPr lang="zh-CN" altLang="en-US" sz="2000" dirty="0"/>
+              <a:t>全局</a:t>
+            </a:r>
+            <a:r>
+              <a:rPr lang="zh-CN" altLang="en-US" sz="2000" dirty="0" smtClean="0"/>
+              <a:t>死锁检测</a:t>
+            </a:r>
+            <a:endParaRPr lang="en-US" altLang="zh-CN" sz="2000" dirty="0" smtClean="0"/>
+          </a:p>
+          <a:p>
+            <a:pPr lvl="1"/>
+            <a:r>
+              <a:rPr lang="zh-CN" altLang="en-US" sz="2000" dirty="0" smtClean="0"/>
+              <a:t>全局可串行化</a:t>
+            </a:r>
+            <a:endParaRPr lang="en-US" altLang="zh-CN" sz="2000" dirty="0" smtClean="0"/>
+          </a:p>
+        </p:txBody>
+      </p:sp>
+    </p:spTree>
+    <p:extLst>
+      <p:ext uri="{BB962C8B-B14F-4D97-AF65-F5344CB8AC3E}">
+        <p14:creationId xmlns:p14="http://schemas.microsoft.com/office/powerpoint/2010/main" val="3473777108"/>
+      </p:ext>
+    </p:extLst>
+  </p:cSld>
+  <p:clrMapOvr>
+    <a:masterClrMapping/>
+  </p:clrMapOvr>
+</p:sld>
+</file>
+
+<file path=ppt/slides/slide31.xml><?xml version="1.0" encoding="utf-8"?>
+<p:sld xmlns:a="http://schemas.openxmlformats.org/drawingml/2006/main" xmlns:r="http://schemas.openxmlformats.org/officeDocument/2006/relationships" xmlns:p="http://schemas.openxmlformats.org/presentationml/2006/main">
+  <p:cSld>
+    <p:spTree>
+      <p:nvGrpSpPr>
+        <p:cNvPr id="1" name=""/>
+        <p:cNvGrpSpPr/>
+        <p:nvPr/>
+      </p:nvGrpSpPr>
+      <p:grpSpPr>
+        <a:xfrm>
+          <a:off x="0" y="0"/>
+          <a:ext cx="0" cy="0"/>
+          <a:chOff x="0" y="0"/>
+          <a:chExt cx="0" cy="0"/>
+        </a:xfrm>
+      </p:grpSpPr>
+      <p:sp>
+        <p:nvSpPr>
+          <p:cNvPr id="2" name="标题 1"/>
+          <p:cNvSpPr>
+            <a:spLocks noGrp="1"/>
+          </p:cNvSpPr>
+          <p:nvPr>
+            <p:ph type="title"/>
+          </p:nvPr>
+        </p:nvSpPr>
+        <p:spPr/>
+        <p:txBody>
+          <a:bodyPr/>
+          <a:lstStyle/>
+          <a:p>
+            <a:r>
+              <a:rPr lang="zh-CN" altLang="en-US" dirty="0"/>
+              <a:t>原子提交协议</a:t>
+            </a:r>
+          </a:p>
+        </p:txBody>
+      </p:sp>
+      <p:sp>
+        <p:nvSpPr>
+          <p:cNvPr id="3" name="内容占位符 2"/>
+          <p:cNvSpPr>
+            <a:spLocks noGrp="1"/>
+          </p:cNvSpPr>
+          <p:nvPr>
+            <p:ph idx="1"/>
+          </p:nvPr>
+        </p:nvSpPr>
+        <p:spPr/>
+        <p:txBody>
+          <a:bodyPr>
+            <a:normAutofit/>
+          </a:bodyPr>
+          <a:lstStyle/>
+          <a:p>
+            <a:r>
+              <a:rPr lang="zh-CN" altLang="en-US" sz="2800" dirty="0" smtClean="0">
+                <a:solidFill>
+                  <a:schemeClr val="accent1"/>
+                </a:solidFill>
+              </a:rPr>
+              <a:t>两阶段原子提交协议</a:t>
+            </a:r>
+            <a:r>
+              <a:rPr lang="zh-CN" altLang="en-US" sz="2800" dirty="0" smtClean="0"/>
+              <a:t>是最常用的原子提交协议</a:t>
+            </a:r>
+            <a:endParaRPr lang="en-US" altLang="zh-CN" sz="2800" dirty="0" smtClean="0"/>
+          </a:p>
+          <a:p>
+            <a:r>
+              <a:rPr lang="zh-CN" altLang="en-US" sz="2800" dirty="0"/>
+              <a:t>主要是</a:t>
+            </a:r>
+            <a:r>
+              <a:rPr lang="zh-CN" altLang="en-US" sz="2800" dirty="0" smtClean="0"/>
+              <a:t>实现了</a:t>
+            </a:r>
+            <a:r>
+              <a:rPr lang="en-US" altLang="zh-CN" sz="2800" dirty="0" smtClean="0">
+                <a:solidFill>
+                  <a:schemeClr val="accent1"/>
+                </a:solidFill>
+              </a:rPr>
+              <a:t>coordinate</a:t>
+            </a:r>
+            <a:r>
+              <a:rPr lang="zh-CN" altLang="en-US" sz="2800" dirty="0" smtClean="0"/>
+              <a:t>和</a:t>
+            </a:r>
+            <a:r>
+              <a:rPr lang="en-US" altLang="zh-CN" sz="2800" dirty="0" smtClean="0">
+                <a:solidFill>
+                  <a:schemeClr val="accent1"/>
+                </a:solidFill>
+              </a:rPr>
+              <a:t>cohort</a:t>
+            </a:r>
+            <a:r>
+              <a:rPr lang="zh-CN" altLang="en-US" sz="2800" dirty="0" smtClean="0"/>
+              <a:t>之间的信息交换</a:t>
+            </a:r>
+            <a:endParaRPr lang="en-US" altLang="zh-CN" sz="2800" dirty="0" smtClean="0"/>
+          </a:p>
+          <a:p>
+            <a:r>
+              <a:rPr lang="zh-CN" altLang="en-US" sz="2800" dirty="0"/>
+              <a:t>目的</a:t>
+            </a:r>
+            <a:r>
+              <a:rPr lang="zh-CN" altLang="en-US" sz="2800" dirty="0" smtClean="0"/>
+              <a:t>是保证</a:t>
+            </a:r>
+            <a:r>
+              <a:rPr lang="zh-CN" altLang="en-US" sz="2800" dirty="0" smtClean="0">
+                <a:solidFill>
+                  <a:schemeClr val="accent1"/>
+                </a:solidFill>
+              </a:rPr>
+              <a:t>全局原子性</a:t>
+            </a:r>
+            <a:endParaRPr lang="en-US" altLang="zh-CN" sz="2800" dirty="0" smtClean="0">
+              <a:solidFill>
+                <a:schemeClr val="accent1"/>
+              </a:solidFill>
+            </a:endParaRPr>
+          </a:p>
+          <a:p>
+            <a:r>
+              <a:rPr lang="zh-CN" altLang="en-US" sz="2800" dirty="0" smtClean="0"/>
+              <a:t>在</a:t>
+            </a:r>
+            <a:r>
+              <a:rPr lang="en-US" altLang="zh-CN" sz="2800" dirty="0" smtClean="0"/>
+              <a:t>coordinate</a:t>
+            </a:r>
+            <a:r>
+              <a:rPr lang="zh-CN" altLang="en-US" sz="2800" dirty="0" smtClean="0"/>
+              <a:t>上使用</a:t>
+            </a:r>
+            <a:r>
+              <a:rPr lang="zh-CN" altLang="en-US" sz="2800" dirty="0" smtClean="0">
+                <a:solidFill>
+                  <a:schemeClr val="accent1"/>
+                </a:solidFill>
+              </a:rPr>
+              <a:t>事务记录</a:t>
+            </a:r>
+            <a:endParaRPr lang="zh-CN" altLang="en-US" sz="2800" dirty="0">
+              <a:solidFill>
+                <a:schemeClr val="accent1"/>
+              </a:solidFill>
+            </a:endParaRPr>
+          </a:p>
+        </p:txBody>
+      </p:sp>
+    </p:spTree>
+    <p:extLst>
+      <p:ext uri="{BB962C8B-B14F-4D97-AF65-F5344CB8AC3E}">
+        <p14:creationId xmlns:p14="http://schemas.microsoft.com/office/powerpoint/2010/main" val="1633931479"/>
+      </p:ext>
+    </p:extLst>
+  </p:cSld>
+  <p:clrMapOvr>
+    <a:masterClrMapping/>
+  </p:clrMapOvr>
+</p:sld>
+</file>
+
+<file path=ppt/slides/slide32.xml><?xml version="1.0" encoding="utf-8"?>
+<p:sld xmlns:a="http://schemas.openxmlformats.org/drawingml/2006/main" xmlns:r="http://schemas.openxmlformats.org/officeDocument/2006/relationships" xmlns:p="http://schemas.openxmlformats.org/presentationml/2006/main">
+  <p:cSld>
+    <p:spTree>
+      <p:nvGrpSpPr>
+        <p:cNvPr id="1" name=""/>
+        <p:cNvGrpSpPr/>
+        <p:nvPr/>
+      </p:nvGrpSpPr>
+      <p:grpSpPr>
+        <a:xfrm>
+          <a:off x="0" y="0"/>
+          <a:ext cx="0" cy="0"/>
+          <a:chOff x="0" y="0"/>
+          <a:chExt cx="0" cy="0"/>
+        </a:xfrm>
+      </p:grpSpPr>
+      <p:sp>
+        <p:nvSpPr>
+          <p:cNvPr id="2" name="标题 1"/>
+          <p:cNvSpPr>
+            <a:spLocks noGrp="1"/>
+          </p:cNvSpPr>
+          <p:nvPr>
+            <p:ph type="title"/>
+          </p:nvPr>
+        </p:nvSpPr>
+        <p:spPr/>
+        <p:txBody>
+          <a:bodyPr/>
+          <a:lstStyle/>
+          <a:p>
+            <a:r>
+              <a:rPr lang="zh-CN" altLang="en-US" dirty="0" smtClean="0"/>
+              <a:t>两阶段原子提交协议</a:t>
+            </a:r>
+            <a:endParaRPr lang="zh-CN" altLang="en-US" dirty="0"/>
+          </a:p>
+        </p:txBody>
+      </p:sp>
+      <p:sp>
+        <p:nvSpPr>
+          <p:cNvPr id="3" name="内容占位符 2"/>
+          <p:cNvSpPr>
+            <a:spLocks noGrp="1"/>
+          </p:cNvSpPr>
+          <p:nvPr>
+            <p:ph idx="1"/>
+          </p:nvPr>
+        </p:nvSpPr>
+        <p:spPr/>
+        <p:txBody>
+          <a:bodyPr>
+            <a:normAutofit/>
+          </a:bodyPr>
+          <a:lstStyle/>
+          <a:p>
+            <a:r>
+              <a:rPr lang="zh-CN" altLang="en-US" sz="2400" dirty="0" smtClean="0"/>
+              <a:t>阶段一</a:t>
+            </a:r>
+            <a:endParaRPr lang="en-US" altLang="zh-CN" sz="2400" dirty="0" smtClean="0"/>
+          </a:p>
+          <a:p>
+            <a:pPr lvl="1"/>
+            <a:r>
+              <a:rPr lang="en-US" altLang="zh-CN" sz="2000" dirty="0" smtClean="0"/>
+              <a:t>1.</a:t>
+            </a:r>
+            <a:r>
+              <a:rPr lang="zh-CN" altLang="en-US" sz="2000" dirty="0" smtClean="0"/>
+              <a:t>应用提出</a:t>
+            </a:r>
+            <a:r>
+              <a:rPr lang="en-US" altLang="zh-CN" sz="2000" dirty="0" err="1" smtClean="0">
+                <a:solidFill>
+                  <a:schemeClr val="accent1"/>
+                </a:solidFill>
+              </a:rPr>
+              <a:t>tx_commit</a:t>
+            </a:r>
+            <a:r>
+              <a:rPr lang="zh-CN" altLang="en-US" sz="2000" dirty="0" smtClean="0"/>
+              <a:t>请求</a:t>
+            </a:r>
+            <a:endParaRPr lang="en-US" altLang="zh-CN" sz="2000" dirty="0" smtClean="0"/>
+          </a:p>
+          <a:p>
+            <a:pPr lvl="1"/>
+            <a:r>
+              <a:rPr lang="en-US" altLang="zh-CN" sz="2000" dirty="0" smtClean="0"/>
+              <a:t>2.coordinate</a:t>
+            </a:r>
+            <a:r>
+              <a:rPr lang="zh-CN" altLang="en-US" sz="2000" dirty="0" smtClean="0"/>
+              <a:t>向所有</a:t>
+            </a:r>
+            <a:r>
+              <a:rPr lang="en-US" altLang="zh-CN" sz="2000" dirty="0" smtClean="0"/>
+              <a:t>cohort</a:t>
+            </a:r>
+            <a:r>
+              <a:rPr lang="zh-CN" altLang="en-US" sz="2000" dirty="0" smtClean="0"/>
+              <a:t>发送</a:t>
+            </a:r>
+            <a:r>
+              <a:rPr lang="en-US" altLang="zh-CN" sz="2000" dirty="0" smtClean="0">
+                <a:solidFill>
+                  <a:schemeClr val="accent1"/>
+                </a:solidFill>
+              </a:rPr>
+              <a:t>prepare</a:t>
+            </a:r>
+            <a:r>
+              <a:rPr lang="zh-CN" altLang="en-US" sz="2000" dirty="0" smtClean="0">
+                <a:solidFill>
+                  <a:schemeClr val="accent1"/>
+                </a:solidFill>
+              </a:rPr>
+              <a:t>消息</a:t>
+            </a:r>
+            <a:endParaRPr lang="en-US" altLang="zh-CN" sz="2000" dirty="0" smtClean="0">
+              <a:solidFill>
+                <a:schemeClr val="accent1"/>
+              </a:solidFill>
+            </a:endParaRPr>
+          </a:p>
+          <a:p>
+            <a:pPr lvl="1"/>
+            <a:r>
+              <a:rPr lang="en-US" altLang="zh-CN" sz="2000" dirty="0" smtClean="0"/>
+              <a:t>3.</a:t>
+            </a:r>
+            <a:r>
+              <a:rPr lang="zh-CN" altLang="en-US" sz="2000" dirty="0" smtClean="0"/>
+              <a:t>所有</a:t>
+            </a:r>
+            <a:r>
+              <a:rPr lang="en-US" altLang="zh-CN" sz="2000" dirty="0" smtClean="0"/>
+              <a:t>cohort</a:t>
+            </a:r>
+            <a:r>
+              <a:rPr lang="zh-CN" altLang="en-US" sz="2000" dirty="0" smtClean="0"/>
+              <a:t>对请求</a:t>
+            </a:r>
+            <a:r>
+              <a:rPr lang="en-US" altLang="zh-CN" sz="2000" dirty="0" smtClean="0">
+                <a:solidFill>
+                  <a:schemeClr val="accent1"/>
+                </a:solidFill>
+              </a:rPr>
+              <a:t>vote</a:t>
+            </a:r>
+            <a:r>
+              <a:rPr lang="zh-CN" altLang="en-US" sz="2000" dirty="0" smtClean="0"/>
+              <a:t>：</a:t>
+            </a:r>
+            <a:r>
+              <a:rPr lang="en-US" altLang="zh-CN" sz="2000" dirty="0" smtClean="0">
+                <a:solidFill>
+                  <a:schemeClr val="accent1"/>
+                </a:solidFill>
+              </a:rPr>
+              <a:t>ready</a:t>
+            </a:r>
+            <a:r>
+              <a:rPr lang="zh-CN" altLang="en-US" sz="2000" dirty="0" smtClean="0"/>
+              <a:t>或</a:t>
+            </a:r>
+            <a:r>
+              <a:rPr lang="en-US" altLang="zh-CN" sz="2000" dirty="0" smtClean="0">
+                <a:solidFill>
+                  <a:schemeClr val="accent1"/>
+                </a:solidFill>
+              </a:rPr>
+              <a:t>abort</a:t>
+            </a:r>
+            <a:r>
+              <a:rPr lang="zh-CN" altLang="en-US" sz="2000" dirty="0"/>
+              <a:t>，</a:t>
+            </a:r>
+            <a:r>
+              <a:rPr lang="en-US" altLang="zh-CN" sz="2000" dirty="0" smtClean="0"/>
+              <a:t>coordinate</a:t>
+            </a:r>
+            <a:r>
+              <a:rPr lang="zh-CN" altLang="en-US" sz="2000" dirty="0" smtClean="0"/>
+              <a:t>统计并决定</a:t>
+            </a:r>
+            <a:r>
+              <a:rPr lang="en-US" altLang="zh-CN" sz="2000" dirty="0" smtClean="0"/>
+              <a:t>commit</a:t>
+            </a:r>
+            <a:r>
+              <a:rPr lang="zh-CN" altLang="en-US" sz="2000" dirty="0" smtClean="0"/>
+              <a:t>还是</a:t>
+            </a:r>
+            <a:r>
+              <a:rPr lang="en-US" altLang="zh-CN" sz="2000" dirty="0" smtClean="0"/>
+              <a:t>abort</a:t>
+            </a:r>
+            <a:endParaRPr lang="en-US" altLang="zh-CN" sz="2000" dirty="0"/>
+          </a:p>
+          <a:p>
+            <a:r>
+              <a:rPr lang="zh-CN" altLang="en-US" sz="2400" dirty="0" smtClean="0"/>
+              <a:t>阶段二</a:t>
+            </a:r>
+            <a:endParaRPr lang="en-US" altLang="zh-CN" sz="2400" dirty="0" smtClean="0"/>
+          </a:p>
+          <a:p>
+            <a:pPr lvl="1"/>
+            <a:r>
+              <a:rPr lang="en-US" altLang="zh-CN" sz="2000" dirty="0" smtClean="0"/>
+              <a:t>4.coordinate</a:t>
+            </a:r>
+            <a:r>
+              <a:rPr lang="zh-CN" altLang="en-US" sz="2000" dirty="0" smtClean="0"/>
+              <a:t>向</a:t>
+            </a:r>
+            <a:r>
+              <a:rPr lang="en-US" altLang="zh-CN" sz="2000" dirty="0" smtClean="0"/>
+              <a:t>cohort</a:t>
+            </a:r>
+            <a:r>
+              <a:rPr lang="zh-CN" altLang="en-US" sz="2000" dirty="0" smtClean="0"/>
+              <a:t>发送</a:t>
+            </a:r>
+            <a:r>
+              <a:rPr lang="en-US" altLang="zh-CN" sz="2000" dirty="0" smtClean="0">
+                <a:solidFill>
+                  <a:schemeClr val="accent1"/>
+                </a:solidFill>
+              </a:rPr>
+              <a:t>commit</a:t>
+            </a:r>
+            <a:r>
+              <a:rPr lang="zh-CN" altLang="en-US" sz="2000" dirty="0" smtClean="0"/>
+              <a:t>或</a:t>
+            </a:r>
+            <a:r>
+              <a:rPr lang="en-US" altLang="zh-CN" sz="2000" dirty="0" smtClean="0">
+                <a:solidFill>
+                  <a:schemeClr val="accent1"/>
+                </a:solidFill>
+              </a:rPr>
+              <a:t>abort</a:t>
+            </a:r>
+            <a:r>
+              <a:rPr lang="zh-CN" altLang="en-US" sz="2000" dirty="0" smtClean="0"/>
+              <a:t>消息</a:t>
+            </a:r>
+            <a:endParaRPr lang="en-US" altLang="zh-CN" sz="2000" dirty="0" smtClean="0"/>
+          </a:p>
+          <a:p>
+            <a:pPr lvl="1"/>
+            <a:r>
+              <a:rPr lang="en-US" altLang="zh-CN" sz="2000" dirty="0" smtClean="0"/>
+              <a:t>5.cohort</a:t>
+            </a:r>
+            <a:r>
+              <a:rPr lang="zh-CN" altLang="en-US" sz="2000" dirty="0" smtClean="0"/>
+              <a:t>向</a:t>
+            </a:r>
+            <a:r>
+              <a:rPr lang="en-US" altLang="zh-CN" sz="2000" dirty="0" smtClean="0"/>
+              <a:t>coordinate</a:t>
+            </a:r>
+            <a:r>
+              <a:rPr lang="zh-CN" altLang="en-US" sz="2000" dirty="0" smtClean="0"/>
+              <a:t>回复</a:t>
+            </a:r>
+            <a:r>
+              <a:rPr lang="en-US" altLang="zh-CN" sz="2000" dirty="0" smtClean="0">
+                <a:solidFill>
+                  <a:schemeClr val="accent1"/>
+                </a:solidFill>
+              </a:rPr>
+              <a:t>done</a:t>
+            </a:r>
+            <a:r>
+              <a:rPr lang="zh-CN" altLang="en-US" sz="2000" dirty="0" smtClean="0"/>
+              <a:t>消息</a:t>
+            </a:r>
+            <a:endParaRPr lang="zh-CN" altLang="en-US" sz="2000" dirty="0"/>
+          </a:p>
+        </p:txBody>
+      </p:sp>
+    </p:spTree>
+    <p:extLst>
+      <p:ext uri="{BB962C8B-B14F-4D97-AF65-F5344CB8AC3E}">
+        <p14:creationId xmlns:p14="http://schemas.microsoft.com/office/powerpoint/2010/main" val="2663184101"/>
+      </p:ext>
+    </p:extLst>
+  </p:cSld>
+  <p:clrMapOvr>
+    <a:masterClrMapping/>
+  </p:clrMapOvr>
+</p:sld>
+</file>
+
+<file path=ppt/slides/slide33.xml><?xml version="1.0" encoding="utf-8"?>
+<p:sld xmlns:a="http://schemas.openxmlformats.org/drawingml/2006/main" xmlns:r="http://schemas.openxmlformats.org/officeDocument/2006/relationships" xmlns:p="http://schemas.openxmlformats.org/presentationml/2006/main">
+  <p:cSld>
+    <p:spTree>
+      <p:nvGrpSpPr>
+        <p:cNvPr id="1" name=""/>
+        <p:cNvGrpSpPr/>
+        <p:nvPr/>
+      </p:nvGrpSpPr>
+      <p:grpSpPr>
+        <a:xfrm>
+          <a:off x="0" y="0"/>
+          <a:ext cx="0" cy="0"/>
+          <a:chOff x="0" y="0"/>
+          <a:chExt cx="0" cy="0"/>
+        </a:xfrm>
+      </p:grpSpPr>
+      <p:sp>
+        <p:nvSpPr>
+          <p:cNvPr id="2" name="标题 1"/>
+          <p:cNvSpPr>
+            <a:spLocks noGrp="1"/>
+          </p:cNvSpPr>
+          <p:nvPr>
+            <p:ph type="title"/>
+          </p:nvPr>
+        </p:nvSpPr>
+        <p:spPr/>
+        <p:txBody>
+          <a:bodyPr/>
+          <a:lstStyle/>
+          <a:p>
+            <a:r>
+              <a:rPr lang="zh-CN" altLang="en-US" dirty="0" smtClean="0"/>
+              <a:t>错误处理</a:t>
+            </a:r>
+            <a:endParaRPr lang="zh-CN" altLang="en-US" dirty="0"/>
+          </a:p>
+        </p:txBody>
+      </p:sp>
+      <p:sp>
+        <p:nvSpPr>
+          <p:cNvPr id="3" name="内容占位符 2"/>
+          <p:cNvSpPr>
+            <a:spLocks noGrp="1"/>
+          </p:cNvSpPr>
+          <p:nvPr>
+            <p:ph idx="1"/>
+          </p:nvPr>
+        </p:nvSpPr>
+        <p:spPr/>
+        <p:txBody>
+          <a:bodyPr>
+            <a:normAutofit/>
+          </a:bodyPr>
+          <a:lstStyle/>
+          <a:p>
+            <a:r>
+              <a:rPr lang="en-US" altLang="zh-CN" sz="2800" dirty="0" smtClean="0"/>
+              <a:t>1.</a:t>
+            </a:r>
+            <a:r>
+              <a:rPr lang="zh-CN" altLang="en-US" sz="2800" dirty="0" smtClean="0"/>
+              <a:t>超时</a:t>
+            </a:r>
+            <a:endParaRPr lang="en-US" altLang="zh-CN" sz="2800" dirty="0" smtClean="0"/>
+          </a:p>
+          <a:p>
+            <a:r>
+              <a:rPr lang="en-US" altLang="zh-CN" sz="2800" dirty="0" smtClean="0"/>
+              <a:t>2.</a:t>
+            </a:r>
+            <a:r>
+              <a:rPr lang="zh-CN" altLang="en-US" sz="2800" dirty="0" smtClean="0"/>
+              <a:t>崩溃（重启）</a:t>
+            </a:r>
+            <a:endParaRPr lang="en-US" altLang="zh-CN" sz="2800" dirty="0" smtClean="0"/>
+          </a:p>
+        </p:txBody>
+      </p:sp>
+    </p:spTree>
+    <p:extLst>
+      <p:ext uri="{BB962C8B-B14F-4D97-AF65-F5344CB8AC3E}">
+        <p14:creationId xmlns:p14="http://schemas.microsoft.com/office/powerpoint/2010/main" val="992788345"/>
+      </p:ext>
+    </p:extLst>
+  </p:cSld>
+  <p:clrMapOvr>
+    <a:masterClrMapping/>
+  </p:clrMapOvr>
+</p:sld>
+</file>
+
+<file path=ppt/slides/slide34.xml><?xml version="1.0" encoding="utf-8"?>
+<p:sld xmlns:a="http://schemas.openxmlformats.org/drawingml/2006/main" xmlns:r="http://schemas.openxmlformats.org/officeDocument/2006/relationships" xmlns:p="http://schemas.openxmlformats.org/presentationml/2006/main">
+  <p:cSld>
+    <p:spTree>
+      <p:nvGrpSpPr>
+        <p:cNvPr id="1" name=""/>
+        <p:cNvGrpSpPr/>
+        <p:nvPr/>
+      </p:nvGrpSpPr>
+      <p:grpSpPr>
+        <a:xfrm>
+          <a:off x="0" y="0"/>
+          <a:ext cx="0" cy="0"/>
+          <a:chOff x="0" y="0"/>
+          <a:chExt cx="0" cy="0"/>
+        </a:xfrm>
+      </p:grpSpPr>
+      <p:sp>
+        <p:nvSpPr>
+          <p:cNvPr id="2" name="标题 1"/>
+          <p:cNvSpPr>
+            <a:spLocks noGrp="1"/>
+          </p:cNvSpPr>
+          <p:nvPr>
+            <p:ph type="title"/>
+          </p:nvPr>
+        </p:nvSpPr>
+        <p:spPr/>
+        <p:txBody>
+          <a:bodyPr/>
+          <a:lstStyle/>
+          <a:p>
+            <a:r>
+              <a:rPr lang="zh-CN" altLang="en-US" dirty="0" smtClean="0"/>
+              <a:t>超时协议</a:t>
+            </a:r>
+            <a:endParaRPr lang="zh-CN" altLang="en-US" dirty="0"/>
+          </a:p>
+        </p:txBody>
+      </p:sp>
+      <p:sp>
+        <p:nvSpPr>
+          <p:cNvPr id="3" name="内容占位符 2"/>
+          <p:cNvSpPr>
+            <a:spLocks noGrp="1"/>
+          </p:cNvSpPr>
+          <p:nvPr>
+            <p:ph idx="1"/>
+          </p:nvPr>
+        </p:nvSpPr>
+        <p:spPr/>
+        <p:txBody>
+          <a:bodyPr>
+            <a:normAutofit/>
+          </a:bodyPr>
+          <a:lstStyle/>
+          <a:p>
+            <a:r>
+              <a:rPr lang="en-US" altLang="zh-CN" sz="2400" dirty="0" smtClean="0"/>
+              <a:t>1.cohort</a:t>
+            </a:r>
+            <a:r>
+              <a:rPr lang="zh-CN" altLang="en-US" sz="2400" dirty="0" smtClean="0"/>
+              <a:t>等待</a:t>
+            </a:r>
+            <a:r>
+              <a:rPr lang="en-US" altLang="zh-CN" sz="2400" dirty="0" smtClean="0"/>
+              <a:t>prepare</a:t>
+            </a:r>
+            <a:r>
+              <a:rPr lang="zh-CN" altLang="en-US" sz="2400" dirty="0" smtClean="0"/>
+              <a:t>消息超时</a:t>
+            </a:r>
+            <a:endParaRPr lang="en-US" altLang="zh-CN" sz="2400" dirty="0" smtClean="0"/>
+          </a:p>
+          <a:p>
+            <a:pPr lvl="1"/>
+            <a:r>
+              <a:rPr lang="en-US" altLang="zh-CN" sz="2000" dirty="0" smtClean="0"/>
+              <a:t>Abort</a:t>
+            </a:r>
+            <a:r>
+              <a:rPr lang="zh-CN" altLang="en-US" sz="2000" dirty="0" smtClean="0"/>
+              <a:t>该子事务</a:t>
+            </a:r>
+            <a:endParaRPr lang="en-US" altLang="zh-CN" sz="2000" dirty="0" smtClean="0"/>
+          </a:p>
+          <a:p>
+            <a:r>
+              <a:rPr lang="en-US" altLang="zh-CN" sz="2400" dirty="0" smtClean="0"/>
+              <a:t>2.coordinate</a:t>
+            </a:r>
+            <a:r>
+              <a:rPr lang="zh-CN" altLang="en-US" sz="2400" dirty="0" smtClean="0"/>
+              <a:t>等待</a:t>
+            </a:r>
+            <a:r>
+              <a:rPr lang="en-US" altLang="zh-CN" sz="2400" dirty="0" smtClean="0"/>
+              <a:t>vote</a:t>
+            </a:r>
+            <a:r>
+              <a:rPr lang="zh-CN" altLang="en-US" sz="2400" dirty="0" smtClean="0"/>
+              <a:t>消息超时</a:t>
+            </a:r>
+            <a:endParaRPr lang="en-US" altLang="zh-CN" sz="2400" dirty="0" smtClean="0"/>
+          </a:p>
+          <a:p>
+            <a:pPr lvl="1"/>
+            <a:r>
+              <a:rPr lang="en-US" altLang="zh-CN" sz="2000" dirty="0" smtClean="0"/>
+              <a:t>Abort</a:t>
+            </a:r>
+            <a:r>
+              <a:rPr lang="zh-CN" altLang="en-US" sz="2000" dirty="0" smtClean="0"/>
+              <a:t>该事务</a:t>
+            </a:r>
+            <a:endParaRPr lang="en-US" altLang="zh-CN" sz="2000" dirty="0" smtClean="0"/>
+          </a:p>
+          <a:p>
+            <a:r>
+              <a:rPr lang="en-US" altLang="zh-CN" sz="2400" dirty="0" smtClean="0"/>
+              <a:t>3.cohort</a:t>
+            </a:r>
+            <a:r>
+              <a:rPr lang="zh-CN" altLang="en-US" sz="2400" dirty="0" smtClean="0"/>
+              <a:t>等待</a:t>
+            </a:r>
+            <a:r>
+              <a:rPr lang="en-US" altLang="zh-CN" sz="2400" dirty="0" smtClean="0"/>
+              <a:t>commit/abort</a:t>
+            </a:r>
+            <a:r>
+              <a:rPr lang="zh-CN" altLang="en-US" sz="2400" dirty="0" smtClean="0"/>
+              <a:t>消息超时</a:t>
+            </a:r>
+            <a:endParaRPr lang="en-US" altLang="zh-CN" sz="2400" dirty="0" smtClean="0"/>
+          </a:p>
+          <a:p>
+            <a:pPr lvl="1"/>
+            <a:r>
+              <a:rPr lang="en-US" altLang="zh-CN" sz="2000" dirty="0" smtClean="0"/>
+              <a:t>Cohort</a:t>
+            </a:r>
+            <a:r>
+              <a:rPr lang="zh-CN" altLang="en-US" sz="2000" dirty="0"/>
+              <a:t>被</a:t>
+            </a:r>
+            <a:r>
+              <a:rPr lang="zh-CN" altLang="en-US" sz="2000" dirty="0" smtClean="0">
+                <a:solidFill>
+                  <a:srgbClr val="FF0000"/>
+                </a:solidFill>
+              </a:rPr>
+              <a:t>阻塞</a:t>
+            </a:r>
+            <a:r>
+              <a:rPr lang="zh-CN" altLang="en-US" sz="2000" dirty="0" smtClean="0"/>
+              <a:t>，向</a:t>
+            </a:r>
+            <a:r>
+              <a:rPr lang="en-US" altLang="zh-CN" sz="2000" dirty="0" smtClean="0"/>
+              <a:t>coordinate</a:t>
+            </a:r>
+            <a:r>
+              <a:rPr lang="zh-CN" altLang="en-US" sz="2000" dirty="0" smtClean="0">
+                <a:solidFill>
+                  <a:srgbClr val="FF0000"/>
+                </a:solidFill>
+              </a:rPr>
+              <a:t>请求状态信息</a:t>
+            </a:r>
+            <a:endParaRPr lang="en-US" altLang="zh-CN" sz="2000" dirty="0" smtClean="0">
+              <a:solidFill>
+                <a:srgbClr val="FF0000"/>
+              </a:solidFill>
+            </a:endParaRPr>
+          </a:p>
+          <a:p>
+            <a:r>
+              <a:rPr lang="en-US" altLang="zh-CN" sz="2400" dirty="0" smtClean="0"/>
+              <a:t>4.coordinate</a:t>
+            </a:r>
+            <a:r>
+              <a:rPr lang="zh-CN" altLang="en-US" sz="2400" dirty="0" smtClean="0"/>
+              <a:t>等待</a:t>
+            </a:r>
+            <a:r>
+              <a:rPr lang="en-US" altLang="zh-CN" sz="2400" dirty="0" smtClean="0"/>
+              <a:t>done</a:t>
+            </a:r>
+            <a:r>
+              <a:rPr lang="zh-CN" altLang="en-US" sz="2400" dirty="0" smtClean="0"/>
+              <a:t>消息超时</a:t>
+            </a:r>
+            <a:endParaRPr lang="en-US" altLang="zh-CN" sz="2400" dirty="0" smtClean="0"/>
+          </a:p>
+          <a:p>
+            <a:pPr lvl="1"/>
+            <a:r>
+              <a:rPr lang="zh-CN" altLang="en-US" sz="2000" dirty="0" smtClean="0"/>
+              <a:t>向</a:t>
+            </a:r>
+            <a:r>
+              <a:rPr lang="en-US" altLang="zh-CN" sz="2000" dirty="0" smtClean="0"/>
+              <a:t>cohort</a:t>
+            </a:r>
+            <a:r>
+              <a:rPr lang="zh-CN" altLang="en-US" sz="2000" dirty="0" smtClean="0"/>
+              <a:t>请求</a:t>
+            </a:r>
+            <a:r>
+              <a:rPr lang="en-US" altLang="zh-CN" sz="2000" dirty="0" smtClean="0"/>
+              <a:t>done</a:t>
+            </a:r>
+            <a:r>
+              <a:rPr lang="zh-CN" altLang="en-US" sz="2000" dirty="0" smtClean="0"/>
+              <a:t>消息</a:t>
+            </a:r>
+            <a:endParaRPr lang="zh-CN" altLang="en-US" sz="2000" dirty="0"/>
+          </a:p>
+        </p:txBody>
+      </p:sp>
+    </p:spTree>
+    <p:extLst>
+      <p:ext uri="{BB962C8B-B14F-4D97-AF65-F5344CB8AC3E}">
+        <p14:creationId xmlns:p14="http://schemas.microsoft.com/office/powerpoint/2010/main" val="837116266"/>
+      </p:ext>
+    </p:extLst>
+  </p:cSld>
+  <p:clrMapOvr>
+    <a:masterClrMapping/>
+  </p:clrMapOvr>
+</p:sld>
+</file>
+
+<file path=ppt/slides/slide35.xml><?xml version="1.0" encoding="utf-8"?>
+<p:sld xmlns:a="http://schemas.openxmlformats.org/drawingml/2006/main" xmlns:r="http://schemas.openxmlformats.org/officeDocument/2006/relationships" xmlns:p="http://schemas.openxmlformats.org/presentationml/2006/main">
+  <p:cSld>
+    <p:spTree>
+      <p:nvGrpSpPr>
+        <p:cNvPr id="1" name=""/>
+        <p:cNvGrpSpPr/>
+        <p:nvPr/>
+      </p:nvGrpSpPr>
+      <p:grpSpPr>
+        <a:xfrm>
+          <a:off x="0" y="0"/>
+          <a:ext cx="0" cy="0"/>
+          <a:chOff x="0" y="0"/>
+          <a:chExt cx="0" cy="0"/>
+        </a:xfrm>
+      </p:grpSpPr>
+      <p:sp>
+        <p:nvSpPr>
+          <p:cNvPr id="2" name="标题 1"/>
+          <p:cNvSpPr>
+            <a:spLocks noGrp="1"/>
+          </p:cNvSpPr>
+          <p:nvPr>
+            <p:ph type="title"/>
+          </p:nvPr>
+        </p:nvSpPr>
+        <p:spPr/>
+        <p:txBody>
+          <a:bodyPr/>
+          <a:lstStyle/>
+          <a:p>
+            <a:r>
+              <a:rPr lang="zh-CN" altLang="en-US" dirty="0" smtClean="0"/>
+              <a:t>崩溃重启</a:t>
+            </a:r>
+            <a:endParaRPr lang="zh-CN" altLang="en-US" dirty="0"/>
+          </a:p>
+        </p:txBody>
+      </p:sp>
+      <p:sp>
+        <p:nvSpPr>
+          <p:cNvPr id="3" name="内容占位符 2"/>
+          <p:cNvSpPr>
+            <a:spLocks noGrp="1"/>
+          </p:cNvSpPr>
+          <p:nvPr>
+            <p:ph idx="1"/>
+          </p:nvPr>
+        </p:nvSpPr>
+        <p:spPr/>
+        <p:txBody>
+          <a:bodyPr>
+            <a:noAutofit/>
+          </a:bodyPr>
+          <a:lstStyle/>
+          <a:p>
+            <a:r>
+              <a:rPr lang="en-US" altLang="zh-CN" dirty="0" smtClean="0"/>
+              <a:t>Cohort</a:t>
+            </a:r>
+            <a:r>
+              <a:rPr lang="zh-CN" altLang="en-US" dirty="0" smtClean="0"/>
+              <a:t>重启</a:t>
+            </a:r>
+            <a:r>
+              <a:rPr lang="en-US" altLang="zh-CN" dirty="0" smtClean="0"/>
+              <a:t>——</a:t>
+            </a:r>
+            <a:r>
+              <a:rPr lang="zh-CN" altLang="en-US" dirty="0" smtClean="0"/>
+              <a:t>寻找</a:t>
+            </a:r>
+            <a:r>
+              <a:rPr lang="en-US" altLang="zh-CN" dirty="0" smtClean="0"/>
+              <a:t>log</a:t>
+            </a:r>
+            <a:r>
+              <a:rPr lang="zh-CN" altLang="en-US" dirty="0" smtClean="0"/>
+              <a:t>：</a:t>
+            </a:r>
+            <a:endParaRPr lang="en-US" altLang="zh-CN" dirty="0" smtClean="0"/>
+          </a:p>
+          <a:p>
+            <a:pPr lvl="1"/>
+            <a:r>
+              <a:rPr lang="en-US" altLang="zh-CN" dirty="0" smtClean="0"/>
+              <a:t>1.</a:t>
+            </a:r>
+            <a:r>
+              <a:rPr lang="zh-CN" altLang="en-US" dirty="0" smtClean="0"/>
+              <a:t>有</a:t>
+            </a:r>
+            <a:r>
+              <a:rPr lang="en-US" altLang="zh-CN" dirty="0" err="1">
+                <a:solidFill>
+                  <a:schemeClr val="accent1"/>
+                </a:solidFill>
+              </a:rPr>
+              <a:t>begin_trasaction</a:t>
+            </a:r>
+            <a:r>
+              <a:rPr lang="zh-CN" altLang="en-US" dirty="0"/>
+              <a:t>记录没有</a:t>
+            </a:r>
+            <a:r>
+              <a:rPr lang="en-US" altLang="zh-CN" dirty="0">
+                <a:solidFill>
+                  <a:schemeClr val="accent1"/>
+                </a:solidFill>
+              </a:rPr>
+              <a:t>prepare</a:t>
+            </a:r>
+            <a:r>
+              <a:rPr lang="zh-CN" altLang="en-US" dirty="0"/>
+              <a:t>记录，取消该事务</a:t>
+            </a:r>
+            <a:endParaRPr lang="en-US" altLang="zh-CN" dirty="0"/>
+          </a:p>
+          <a:p>
+            <a:pPr lvl="1"/>
+            <a:r>
+              <a:rPr lang="en-US" altLang="zh-CN" dirty="0" smtClean="0"/>
+              <a:t>2.</a:t>
+            </a:r>
+            <a:r>
+              <a:rPr lang="zh-CN" altLang="en-US" dirty="0" smtClean="0"/>
+              <a:t>有</a:t>
+            </a:r>
+            <a:r>
+              <a:rPr lang="en-US" altLang="zh-CN" dirty="0">
+                <a:solidFill>
+                  <a:schemeClr val="accent1"/>
+                </a:solidFill>
+              </a:rPr>
+              <a:t>prepare</a:t>
+            </a:r>
+            <a:r>
+              <a:rPr lang="zh-CN" altLang="en-US" dirty="0"/>
+              <a:t>记录没有</a:t>
+            </a:r>
+            <a:r>
+              <a:rPr lang="en-US" altLang="zh-CN" dirty="0">
+                <a:solidFill>
+                  <a:schemeClr val="accent1"/>
+                </a:solidFill>
+              </a:rPr>
+              <a:t>commit</a:t>
+            </a:r>
+            <a:r>
+              <a:rPr lang="zh-CN" altLang="en-US" dirty="0"/>
+              <a:t>记录，将相关</a:t>
+            </a:r>
+            <a:r>
+              <a:rPr lang="en-US" altLang="zh-CN" dirty="0"/>
+              <a:t>items</a:t>
+            </a:r>
+            <a:r>
+              <a:rPr lang="zh-CN" altLang="en-US" dirty="0"/>
+              <a:t>上锁，向</a:t>
+            </a:r>
+            <a:r>
+              <a:rPr lang="en-US" altLang="zh-CN" dirty="0"/>
+              <a:t>coordinate</a:t>
+            </a:r>
+            <a:r>
+              <a:rPr lang="zh-CN" altLang="en-US" dirty="0"/>
+              <a:t>请求状态信息</a:t>
+            </a:r>
+            <a:endParaRPr lang="en-US" altLang="zh-CN" dirty="0"/>
+          </a:p>
+          <a:p>
+            <a:pPr lvl="1"/>
+            <a:r>
+              <a:rPr lang="en-US" altLang="zh-CN" dirty="0" smtClean="0"/>
+              <a:t>3.</a:t>
+            </a:r>
+            <a:r>
+              <a:rPr lang="zh-CN" altLang="en-US" dirty="0" smtClean="0"/>
+              <a:t>有</a:t>
+            </a:r>
+            <a:r>
+              <a:rPr lang="en-US" altLang="zh-CN" dirty="0">
+                <a:solidFill>
+                  <a:schemeClr val="accent1"/>
+                </a:solidFill>
+              </a:rPr>
+              <a:t>commit</a:t>
+            </a:r>
+            <a:r>
+              <a:rPr lang="zh-CN" altLang="en-US" dirty="0"/>
+              <a:t>记录，使用</a:t>
+            </a:r>
+            <a:r>
+              <a:rPr lang="en-US" altLang="zh-CN" dirty="0"/>
+              <a:t>log</a:t>
+            </a:r>
+            <a:r>
+              <a:rPr lang="zh-CN" altLang="en-US" dirty="0"/>
+              <a:t>恢复该事务</a:t>
+            </a:r>
+            <a:endParaRPr lang="en-US" altLang="zh-CN" dirty="0"/>
+          </a:p>
+          <a:p>
+            <a:r>
+              <a:rPr lang="en-US" altLang="zh-CN" dirty="0" smtClean="0"/>
+              <a:t>Coordinate</a:t>
+            </a:r>
+            <a:r>
+              <a:rPr lang="zh-CN" altLang="en-US" dirty="0" smtClean="0"/>
+              <a:t>重启</a:t>
+            </a:r>
+            <a:r>
+              <a:rPr lang="en-US" altLang="zh-CN" dirty="0" smtClean="0"/>
+              <a:t>:</a:t>
+            </a:r>
+          </a:p>
+          <a:p>
+            <a:pPr lvl="1"/>
+            <a:r>
+              <a:rPr lang="zh-CN" altLang="en-US" dirty="0" smtClean="0"/>
+              <a:t>重启后，搜寻</a:t>
+            </a:r>
+            <a:r>
+              <a:rPr lang="en-US" altLang="zh-CN" dirty="0" smtClean="0"/>
+              <a:t>log</a:t>
+            </a:r>
+            <a:r>
+              <a:rPr lang="zh-CN" altLang="en-US" dirty="0" smtClean="0"/>
+              <a:t>并恢复缓存中所有有</a:t>
+            </a:r>
+            <a:r>
+              <a:rPr lang="en-US" altLang="zh-CN" dirty="0" smtClean="0"/>
+              <a:t>commit</a:t>
+            </a:r>
+            <a:r>
+              <a:rPr lang="zh-CN" altLang="en-US" dirty="0" smtClean="0"/>
+              <a:t>记录但没有</a:t>
+            </a:r>
+            <a:r>
+              <a:rPr lang="en-US" altLang="zh-CN" dirty="0" smtClean="0"/>
+              <a:t>complete</a:t>
+            </a:r>
+            <a:r>
+              <a:rPr lang="zh-CN" altLang="en-US" dirty="0" smtClean="0"/>
+              <a:t>记录的事务</a:t>
+            </a:r>
+            <a:endParaRPr lang="en-US" altLang="zh-CN" dirty="0" smtClean="0"/>
+          </a:p>
+          <a:p>
+            <a:pPr lvl="1"/>
+            <a:r>
+              <a:rPr lang="zh-CN" altLang="en-US" dirty="0" smtClean="0"/>
+              <a:t>收到</a:t>
+            </a:r>
+            <a:r>
+              <a:rPr lang="en-US" altLang="zh-CN" dirty="0" smtClean="0"/>
+              <a:t>cohort</a:t>
+            </a:r>
+            <a:r>
+              <a:rPr lang="zh-CN" altLang="en-US" dirty="0" smtClean="0"/>
+              <a:t>对某事务的状态信息请求后：</a:t>
+            </a:r>
+            <a:endParaRPr lang="en-US" altLang="zh-CN" dirty="0" smtClean="0"/>
+          </a:p>
+          <a:p>
+            <a:pPr lvl="2"/>
+            <a:r>
+              <a:rPr lang="en-US" altLang="zh-CN" dirty="0" smtClean="0"/>
+              <a:t>1.</a:t>
+            </a:r>
+            <a:r>
+              <a:rPr lang="zh-CN" altLang="en-US" dirty="0" smtClean="0"/>
+              <a:t>如果缓存中有该事务记录，返回该事物状态信息</a:t>
+            </a:r>
+            <a:endParaRPr lang="en-US" altLang="zh-CN" dirty="0" smtClean="0"/>
+          </a:p>
+          <a:p>
+            <a:pPr lvl="2"/>
+            <a:r>
+              <a:rPr lang="en-US" altLang="zh-CN" dirty="0" smtClean="0"/>
+              <a:t>2.</a:t>
+            </a:r>
+            <a:r>
+              <a:rPr lang="zh-CN" altLang="en-US" dirty="0" smtClean="0"/>
+              <a:t>如果缓存中无该事务记录，回复</a:t>
+            </a:r>
+            <a:r>
+              <a:rPr lang="en-US" altLang="zh-CN" dirty="0" smtClean="0">
+                <a:solidFill>
+                  <a:schemeClr val="accent1"/>
+                </a:solidFill>
+              </a:rPr>
+              <a:t>abort</a:t>
+            </a:r>
+          </a:p>
+        </p:txBody>
+      </p:sp>
+    </p:spTree>
+    <p:extLst>
+      <p:ext uri="{BB962C8B-B14F-4D97-AF65-F5344CB8AC3E}">
+        <p14:creationId xmlns:p14="http://schemas.microsoft.com/office/powerpoint/2010/main" val="2949983703"/>
+      </p:ext>
+    </p:extLst>
+  </p:cSld>
+  <p:clrMapOvr>
+    <a:masterClrMapping/>
+  </p:clrMapOvr>
+</p:sld>
+</file>
+
+<file path=ppt/slides/slide36.xml><?xml version="1.0" encoding="utf-8"?>
+<p:sld xmlns:a="http://schemas.openxmlformats.org/drawingml/2006/main" xmlns:r="http://schemas.openxmlformats.org/officeDocument/2006/relationships" xmlns:p="http://schemas.openxmlformats.org/presentationml/2006/main">
+  <p:cSld>
+    <p:spTree>
+      <p:nvGrpSpPr>
+        <p:cNvPr id="1" name=""/>
+        <p:cNvGrpSpPr/>
+        <p:nvPr/>
+      </p:nvGrpSpPr>
+      <p:grpSpPr>
+        <a:xfrm>
+          <a:off x="0" y="0"/>
+          <a:ext cx="0" cy="0"/>
+          <a:chOff x="0" y="0"/>
+          <a:chExt cx="0" cy="0"/>
+        </a:xfrm>
+      </p:grpSpPr>
+      <p:sp>
+        <p:nvSpPr>
+          <p:cNvPr id="2" name="标题 1"/>
+          <p:cNvSpPr>
+            <a:spLocks noGrp="1"/>
+          </p:cNvSpPr>
+          <p:nvPr>
+            <p:ph type="title"/>
+          </p:nvPr>
+        </p:nvSpPr>
+        <p:spPr/>
+        <p:txBody>
+          <a:bodyPr/>
+          <a:lstStyle/>
+          <a:p>
+            <a:r>
+              <a:rPr lang="zh-CN" altLang="en-US" dirty="0"/>
+              <a:t>全局死锁</a:t>
+            </a:r>
+          </a:p>
+        </p:txBody>
+      </p:sp>
+      <p:sp>
+        <p:nvSpPr>
+          <p:cNvPr id="3" name="内容占位符 2"/>
+          <p:cNvSpPr>
+            <a:spLocks noGrp="1"/>
+          </p:cNvSpPr>
+          <p:nvPr>
+            <p:ph idx="1"/>
+          </p:nvPr>
+        </p:nvSpPr>
+        <p:spPr/>
+        <p:txBody>
+          <a:bodyPr>
+            <a:normAutofit/>
+          </a:bodyPr>
+          <a:lstStyle/>
+          <a:p>
+            <a:r>
+              <a:rPr lang="zh-CN" altLang="en-US" sz="2000" dirty="0" smtClean="0"/>
+              <a:t>在分布式系统中，死锁可能无法在一个</a:t>
+            </a:r>
+            <a:r>
+              <a:rPr lang="en-US" altLang="zh-CN" sz="2000" dirty="0" smtClean="0"/>
+              <a:t>site</a:t>
+            </a:r>
+            <a:r>
+              <a:rPr lang="zh-CN" altLang="en-US" sz="2000" dirty="0" smtClean="0"/>
+              <a:t>上检测出；但是由于可以并发处理，某些死锁也可能自己解锁</a:t>
+            </a:r>
+            <a:endParaRPr lang="en-US" altLang="zh-CN" sz="2000" dirty="0" smtClean="0"/>
+          </a:p>
+          <a:p>
+            <a:r>
+              <a:rPr lang="zh-CN" altLang="en-US" sz="2000" dirty="0"/>
+              <a:t>当</a:t>
+            </a:r>
+            <a:r>
+              <a:rPr lang="zh-CN" altLang="en-US" sz="2000" dirty="0" smtClean="0"/>
+              <a:t>数据需要在</a:t>
+            </a:r>
+            <a:r>
+              <a:rPr lang="en-US" altLang="zh-CN" sz="2000" dirty="0" smtClean="0"/>
+              <a:t>cohort</a:t>
+            </a:r>
+            <a:r>
+              <a:rPr lang="zh-CN" altLang="en-US" sz="2000" dirty="0" smtClean="0"/>
+              <a:t>间交换时，取消和重启单个子事务可能无法解决死锁</a:t>
+            </a:r>
+            <a:endParaRPr lang="en-US" altLang="zh-CN" sz="2000" dirty="0" smtClean="0"/>
+          </a:p>
+          <a:p>
+            <a:r>
+              <a:rPr lang="zh-CN" altLang="en-US" sz="2000" dirty="0" smtClean="0"/>
+              <a:t>检测全局死锁是检测本地死锁的一个简单扩展：</a:t>
+            </a:r>
+            <a:endParaRPr lang="en-US" altLang="zh-CN" sz="2000" dirty="0" smtClean="0"/>
+          </a:p>
+          <a:p>
+            <a:pPr lvl="1"/>
+            <a:r>
+              <a:rPr lang="en-US" altLang="zh-CN" sz="1800" dirty="0"/>
+              <a:t>1.</a:t>
+            </a:r>
+            <a:r>
+              <a:rPr lang="zh-CN" altLang="en-US" sz="1800" dirty="0"/>
+              <a:t>当一个</a:t>
+            </a:r>
+            <a:r>
+              <a:rPr lang="en-US" altLang="zh-CN" sz="1800" dirty="0"/>
+              <a:t>cohort</a:t>
+            </a:r>
+            <a:r>
+              <a:rPr lang="zh-CN" altLang="en-US" sz="1800" dirty="0"/>
+              <a:t>等待时，检测是否存在</a:t>
+            </a:r>
+            <a:r>
+              <a:rPr lang="zh-CN" altLang="en-US" sz="1800" dirty="0">
+                <a:solidFill>
+                  <a:schemeClr val="accent1"/>
+                </a:solidFill>
+              </a:rPr>
+              <a:t>环路</a:t>
+            </a:r>
+            <a:endParaRPr lang="en-US" altLang="zh-CN" sz="1800" dirty="0">
+              <a:solidFill>
+                <a:schemeClr val="accent1"/>
+              </a:solidFill>
+            </a:endParaRPr>
+          </a:p>
+          <a:p>
+            <a:pPr lvl="1"/>
+            <a:r>
+              <a:rPr lang="en-US" altLang="zh-CN" sz="1800" dirty="0"/>
+              <a:t>2.</a:t>
+            </a:r>
+            <a:r>
+              <a:rPr lang="zh-CN" altLang="en-US" sz="1800" dirty="0"/>
+              <a:t>当一个事务等待时间超过阈值时，</a:t>
+            </a:r>
+            <a:r>
+              <a:rPr lang="en-US" altLang="zh-CN" sz="1800" dirty="0">
+                <a:solidFill>
+                  <a:schemeClr val="accent1"/>
+                </a:solidFill>
+              </a:rPr>
+              <a:t>abort</a:t>
+            </a:r>
+            <a:r>
+              <a:rPr lang="zh-CN" altLang="en-US" sz="1800" dirty="0"/>
+              <a:t>该事务</a:t>
+            </a:r>
+            <a:endParaRPr lang="en-US" altLang="zh-CN" sz="1800" dirty="0"/>
+          </a:p>
+          <a:p>
+            <a:r>
+              <a:rPr lang="zh-CN" altLang="en-US" sz="2000" dirty="0" smtClean="0"/>
+              <a:t>使用时间戳预防死锁：一个更早产生的事务永远不会等待一个新事务，新事务会被</a:t>
+            </a:r>
+            <a:r>
+              <a:rPr lang="en-US" altLang="zh-CN" sz="2000" dirty="0" smtClean="0"/>
+              <a:t>abort</a:t>
+            </a:r>
+          </a:p>
+        </p:txBody>
+      </p:sp>
+    </p:spTree>
+    <p:extLst>
+      <p:ext uri="{BB962C8B-B14F-4D97-AF65-F5344CB8AC3E}">
+        <p14:creationId xmlns:p14="http://schemas.microsoft.com/office/powerpoint/2010/main" val="351504855"/>
+      </p:ext>
+    </p:extLst>
+  </p:cSld>
+  <p:clrMapOvr>
+    <a:masterClrMapping/>
+  </p:clrMapOvr>
+</p:sld>
+</file>
+
+<file path=ppt/slides/slide37.xml><?xml version="1.0" encoding="utf-8"?>
+<p:sld xmlns:a="http://schemas.openxmlformats.org/drawingml/2006/main" xmlns:r="http://schemas.openxmlformats.org/officeDocument/2006/relationships" xmlns:p="http://schemas.openxmlformats.org/presentationml/2006/main">
+  <p:cSld>
+    <p:spTree>
+      <p:nvGrpSpPr>
+        <p:cNvPr id="1" name=""/>
+        <p:cNvGrpSpPr/>
+        <p:nvPr/>
+      </p:nvGrpSpPr>
+      <p:grpSpPr>
+        <a:xfrm>
+          <a:off x="0" y="0"/>
+          <a:ext cx="0" cy="0"/>
+          <a:chOff x="0" y="0"/>
+          <a:chExt cx="0" cy="0"/>
+        </a:xfrm>
+      </p:grpSpPr>
+      <p:sp>
+        <p:nvSpPr>
+          <p:cNvPr id="2" name="标题 1"/>
+          <p:cNvSpPr>
+            <a:spLocks noGrp="1"/>
+          </p:cNvSpPr>
+          <p:nvPr>
+            <p:ph type="title"/>
+          </p:nvPr>
+        </p:nvSpPr>
+        <p:spPr/>
+        <p:txBody>
+          <a:bodyPr/>
+          <a:lstStyle/>
+          <a:p>
+            <a:r>
+              <a:rPr lang="zh-CN" altLang="en-US" dirty="0" smtClean="0"/>
+              <a:t>全局独立性</a:t>
+            </a:r>
+            <a:endParaRPr lang="zh-CN" altLang="en-US" dirty="0"/>
+          </a:p>
+        </p:txBody>
+      </p:sp>
+      <p:sp>
+        <p:nvSpPr>
+          <p:cNvPr id="3" name="内容占位符 2"/>
+          <p:cNvSpPr>
+            <a:spLocks noGrp="1"/>
+          </p:cNvSpPr>
+          <p:nvPr>
+            <p:ph idx="1"/>
+          </p:nvPr>
+        </p:nvSpPr>
+        <p:spPr/>
+        <p:txBody>
+          <a:bodyPr>
+            <a:normAutofit/>
+          </a:bodyPr>
+          <a:lstStyle/>
+          <a:p>
+            <a:r>
+              <a:rPr lang="zh-CN" altLang="en-US" sz="2800" dirty="0" smtClean="0"/>
+              <a:t>如果</a:t>
+            </a:r>
+            <a:endParaRPr lang="en-US" altLang="zh-CN" sz="2800" dirty="0" smtClean="0"/>
+          </a:p>
+          <a:p>
+            <a:pPr lvl="1"/>
+            <a:r>
+              <a:rPr lang="zh-CN" altLang="en-US" sz="2400" dirty="0" smtClean="0"/>
+              <a:t>所有</a:t>
+            </a:r>
+            <a:r>
+              <a:rPr lang="en-US" altLang="zh-CN" sz="2400" dirty="0" smtClean="0"/>
+              <a:t>site</a:t>
+            </a:r>
+            <a:r>
+              <a:rPr lang="zh-CN" altLang="en-US" sz="2400" dirty="0" smtClean="0"/>
+              <a:t>使用</a:t>
+            </a:r>
+            <a:r>
+              <a:rPr lang="zh-CN" altLang="en-US" sz="2400" dirty="0" smtClean="0">
+                <a:solidFill>
+                  <a:schemeClr val="accent1"/>
+                </a:solidFill>
+              </a:rPr>
+              <a:t>严格两阶段锁协议</a:t>
+            </a:r>
+            <a:endParaRPr lang="en-US" altLang="zh-CN" sz="2400" dirty="0" smtClean="0">
+              <a:solidFill>
+                <a:schemeClr val="accent1"/>
+              </a:solidFill>
+            </a:endParaRPr>
+          </a:p>
+          <a:p>
+            <a:pPr lvl="1"/>
+            <a:r>
+              <a:rPr lang="zh-CN" altLang="en-US" sz="2400" dirty="0" smtClean="0"/>
+              <a:t>管理器使用</a:t>
+            </a:r>
+            <a:r>
+              <a:rPr lang="zh-CN" altLang="en-US" sz="2400" dirty="0" smtClean="0">
+                <a:solidFill>
+                  <a:schemeClr val="accent1"/>
+                </a:solidFill>
+              </a:rPr>
+              <a:t>两阶段提交协议</a:t>
+            </a:r>
+            <a:endParaRPr lang="en-US" altLang="zh-CN" sz="2400" dirty="0" smtClean="0">
+              <a:solidFill>
+                <a:schemeClr val="accent1"/>
+              </a:solidFill>
+            </a:endParaRPr>
+          </a:p>
+          <a:p>
+            <a:r>
+              <a:rPr lang="zh-CN" altLang="en-US" sz="2800" dirty="0" smtClean="0"/>
+              <a:t>则</a:t>
+            </a:r>
+            <a:endParaRPr lang="en-US" altLang="zh-CN" sz="2800" dirty="0" smtClean="0"/>
+          </a:p>
+          <a:p>
+            <a:pPr lvl="1"/>
+            <a:r>
+              <a:rPr lang="zh-CN" altLang="en-US" sz="2400" dirty="0" smtClean="0"/>
+              <a:t>事务将是按照提交顺序的一个</a:t>
+            </a:r>
+            <a:r>
+              <a:rPr lang="zh-CN" altLang="en-US" sz="2400" dirty="0" smtClean="0">
+                <a:solidFill>
+                  <a:schemeClr val="accent1"/>
+                </a:solidFill>
+              </a:rPr>
+              <a:t>全局可串行化调度</a:t>
+            </a:r>
+            <a:endParaRPr lang="zh-CN" altLang="en-US" sz="2400" dirty="0">
+              <a:solidFill>
+                <a:schemeClr val="accent1"/>
+              </a:solidFill>
+            </a:endParaRPr>
+          </a:p>
+        </p:txBody>
+      </p:sp>
+    </p:spTree>
+    <p:extLst>
+      <p:ext uri="{BB962C8B-B14F-4D97-AF65-F5344CB8AC3E}">
+        <p14:creationId xmlns:p14="http://schemas.microsoft.com/office/powerpoint/2010/main" val="1996409567"/>
+      </p:ext>
+    </p:extLst>
+  </p:cSld>
+  <p:clrMapOvr>
+    <a:masterClrMapping/>
+  </p:clrMapOvr>
+</p:sld>
+</file>
+
+<file path=ppt/slides/slide38.xml><?xml version="1.0" encoding="utf-8"?>
+<p:sld xmlns:a="http://schemas.openxmlformats.org/drawingml/2006/main" xmlns:r="http://schemas.openxmlformats.org/officeDocument/2006/relationships" xmlns:p="http://schemas.openxmlformats.org/presentationml/2006/main">
+  <p:cSld>
+    <p:spTree>
+      <p:nvGrpSpPr>
+        <p:cNvPr id="1" name=""/>
+        <p:cNvGrpSpPr/>
+        <p:nvPr/>
+      </p:nvGrpSpPr>
+      <p:grpSpPr>
+        <a:xfrm>
+          <a:off x="0" y="0"/>
+          <a:ext cx="0" cy="0"/>
+          <a:chOff x="0" y="0"/>
+          <a:chExt cx="0" cy="0"/>
+        </a:xfrm>
+      </p:grpSpPr>
+      <p:sp>
+        <p:nvSpPr>
+          <p:cNvPr id="2" name="标题 1"/>
+          <p:cNvSpPr>
+            <a:spLocks noGrp="1"/>
+          </p:cNvSpPr>
+          <p:nvPr>
+            <p:ph type="title"/>
+          </p:nvPr>
+        </p:nvSpPr>
+        <p:spPr/>
+        <p:txBody>
+          <a:bodyPr/>
+          <a:lstStyle/>
+          <a:p>
+            <a:r>
+              <a:rPr lang="zh-CN" altLang="en-US" dirty="0" smtClean="0"/>
+              <a:t>数据复制</a:t>
+            </a:r>
+            <a:endParaRPr lang="zh-CN" altLang="en-US" dirty="0"/>
+          </a:p>
+        </p:txBody>
+      </p:sp>
+      <p:sp>
+        <p:nvSpPr>
+          <p:cNvPr id="3" name="内容占位符 2"/>
+          <p:cNvSpPr>
+            <a:spLocks noGrp="1"/>
+          </p:cNvSpPr>
+          <p:nvPr>
+            <p:ph idx="1"/>
+          </p:nvPr>
+        </p:nvSpPr>
+        <p:spPr/>
+        <p:txBody>
+          <a:bodyPr>
+            <a:normAutofit fontScale="92500" lnSpcReduction="10000"/>
+          </a:bodyPr>
+          <a:lstStyle/>
+          <a:p>
+            <a:r>
+              <a:rPr lang="en-US" altLang="zh-CN" dirty="0" smtClean="0"/>
+              <a:t>1.Read One/Write All</a:t>
+            </a:r>
+            <a:r>
+              <a:rPr lang="zh-CN" altLang="en-US" dirty="0" smtClean="0"/>
+              <a:t>复制控制</a:t>
+            </a:r>
+            <a:endParaRPr lang="en-US" altLang="zh-CN" dirty="0" smtClean="0"/>
+          </a:p>
+          <a:p>
+            <a:pPr lvl="1"/>
+            <a:r>
+              <a:rPr lang="zh-CN" altLang="en-US" dirty="0"/>
+              <a:t>使用</a:t>
+            </a:r>
+            <a:r>
+              <a:rPr lang="zh-CN" altLang="en-US" dirty="0" smtClean="0"/>
+              <a:t>最近的复制回应读请求</a:t>
+            </a:r>
+            <a:endParaRPr lang="en-US" altLang="zh-CN" dirty="0" smtClean="0"/>
+          </a:p>
+          <a:p>
+            <a:pPr lvl="1"/>
+            <a:r>
+              <a:rPr lang="zh-CN" altLang="en-US" dirty="0" smtClean="0"/>
+              <a:t>对于写请求更新所有复制</a:t>
+            </a:r>
+            <a:endParaRPr lang="en-US" altLang="zh-CN" dirty="0" smtClean="0"/>
+          </a:p>
+          <a:p>
+            <a:pPr lvl="1"/>
+            <a:r>
+              <a:rPr lang="zh-CN" altLang="en-US" dirty="0"/>
+              <a:t>读</a:t>
+            </a:r>
+            <a:r>
+              <a:rPr lang="zh-CN" altLang="en-US" dirty="0" smtClean="0"/>
+              <a:t>请求远大于写请求时效率高</a:t>
+            </a:r>
+            <a:endParaRPr lang="en-US" altLang="zh-CN" dirty="0"/>
+          </a:p>
+          <a:p>
+            <a:r>
+              <a:rPr lang="en-US" altLang="zh-CN" dirty="0" smtClean="0"/>
+              <a:t>2.Querum Consensus</a:t>
+            </a:r>
+            <a:r>
+              <a:rPr lang="zh-CN" altLang="en-US" dirty="0" smtClean="0"/>
+              <a:t>复制控制</a:t>
+            </a:r>
+            <a:endParaRPr lang="en-US" altLang="zh-CN" dirty="0" smtClean="0"/>
+          </a:p>
+          <a:p>
+            <a:pPr lvl="1"/>
+            <a:r>
+              <a:rPr lang="zh-CN" altLang="en-US" dirty="0" smtClean="0"/>
+              <a:t>动态选择随机的复制子集，</a:t>
+            </a:r>
+            <a:r>
+              <a:rPr lang="en-US" altLang="zh-CN" dirty="0" smtClean="0"/>
+              <a:t>p</a:t>
+            </a:r>
+            <a:r>
+              <a:rPr lang="zh-CN" altLang="en-US" dirty="0" smtClean="0"/>
+              <a:t>为读子集元素数，</a:t>
+            </a:r>
+            <a:r>
+              <a:rPr lang="en-US" altLang="zh-CN" dirty="0" smtClean="0"/>
+              <a:t>q</a:t>
+            </a:r>
+            <a:r>
+              <a:rPr lang="zh-CN" altLang="en-US" dirty="0" smtClean="0"/>
+              <a:t>为写子集元素数，</a:t>
+            </a:r>
+            <a:r>
+              <a:rPr lang="en-US" altLang="zh-CN" dirty="0" smtClean="0"/>
+              <a:t>n</a:t>
+            </a:r>
+            <a:r>
+              <a:rPr lang="zh-CN" altLang="en-US" dirty="0" smtClean="0"/>
+              <a:t>为复制数，需保证</a:t>
+            </a:r>
+            <a:r>
+              <a:rPr lang="en-US" altLang="zh-CN" dirty="0" err="1" smtClean="0"/>
+              <a:t>p+q</a:t>
+            </a:r>
+            <a:r>
+              <a:rPr lang="en-US" altLang="zh-CN" dirty="0" smtClean="0"/>
+              <a:t>&gt;n</a:t>
+            </a:r>
+            <a:r>
+              <a:rPr lang="zh-CN" altLang="en-US" dirty="0" smtClean="0"/>
+              <a:t>且</a:t>
+            </a:r>
+            <a:r>
+              <a:rPr lang="en-US" altLang="zh-CN" dirty="0" smtClean="0"/>
+              <a:t>q&gt;n/2</a:t>
+            </a:r>
+            <a:endParaRPr lang="en-US" altLang="zh-CN" dirty="0"/>
+          </a:p>
+          <a:p>
+            <a:pPr lvl="1"/>
+            <a:r>
+              <a:rPr lang="zh-CN" altLang="en-US" dirty="0" smtClean="0"/>
+              <a:t>能保证可串行化性质</a:t>
+            </a:r>
+            <a:endParaRPr lang="en-US" altLang="zh-CN" dirty="0" smtClean="0"/>
+          </a:p>
+          <a:p>
+            <a:r>
+              <a:rPr lang="en-US" altLang="zh-CN" dirty="0" smtClean="0"/>
+              <a:t>3.Primary Copy</a:t>
+            </a:r>
+            <a:r>
+              <a:rPr lang="zh-CN" altLang="en-US" dirty="0" smtClean="0"/>
+              <a:t>复制控制</a:t>
+            </a:r>
+            <a:endParaRPr lang="en-US" altLang="zh-CN" dirty="0" smtClean="0"/>
+          </a:p>
+          <a:p>
+            <a:pPr lvl="1"/>
+            <a:r>
+              <a:rPr lang="zh-CN" altLang="en-US" dirty="0" smtClean="0"/>
+              <a:t>复制分为</a:t>
+            </a:r>
+            <a:r>
+              <a:rPr lang="zh-CN" altLang="en-US" dirty="0" smtClean="0">
+                <a:solidFill>
+                  <a:schemeClr val="accent1"/>
+                </a:solidFill>
+              </a:rPr>
+              <a:t>主要</a:t>
+            </a:r>
+            <a:r>
+              <a:rPr lang="zh-CN" altLang="en-US" dirty="0" smtClean="0"/>
+              <a:t>和</a:t>
+            </a:r>
+            <a:r>
+              <a:rPr lang="zh-CN" altLang="en-US" dirty="0" smtClean="0">
+                <a:solidFill>
+                  <a:schemeClr val="accent1"/>
+                </a:solidFill>
+              </a:rPr>
+              <a:t>次要</a:t>
+            </a:r>
+            <a:r>
+              <a:rPr lang="zh-CN" altLang="en-US" dirty="0" smtClean="0"/>
+              <a:t>，读时读取最近复制，写时写入主要复制，</a:t>
+            </a:r>
+            <a:r>
+              <a:rPr lang="en-US" altLang="zh-CN" dirty="0" smtClean="0"/>
+              <a:t>commit</a:t>
+            </a:r>
+            <a:r>
+              <a:rPr lang="zh-CN" altLang="en-US" dirty="0" smtClean="0"/>
+              <a:t>时将相关主要复制同步到所有次要复制</a:t>
+            </a:r>
+            <a:endParaRPr lang="en-US" altLang="zh-CN" dirty="0" smtClean="0"/>
+          </a:p>
+          <a:p>
+            <a:pPr lvl="1"/>
+            <a:r>
+              <a:rPr lang="zh-CN" altLang="en-US" dirty="0" smtClean="0"/>
+              <a:t>所有写操作可串行化，读不是</a:t>
+            </a:r>
+            <a:endParaRPr lang="zh-CN" altLang="en-US" dirty="0"/>
+          </a:p>
+        </p:txBody>
+      </p:sp>
+    </p:spTree>
+    <p:extLst>
+      <p:ext uri="{BB962C8B-B14F-4D97-AF65-F5344CB8AC3E}">
+        <p14:creationId xmlns:p14="http://schemas.microsoft.com/office/powerpoint/2010/main" val="916857566"/>
+      </p:ext>
+    </p:extLst>
+  </p:cSld>
+  <p:clrMapOvr>
+    <a:masterClrMapping/>
+  </p:clrMapOvr>
+</p:sld>
+</file>
+
+<file path=ppt/slides/slide39.xml><?xml version="1.0" encoding="utf-8"?>
+<p:sld xmlns:a="http://schemas.openxmlformats.org/drawingml/2006/main" xmlns:r="http://schemas.openxmlformats.org/officeDocument/2006/relationships" xmlns:p="http://schemas.openxmlformats.org/presentationml/2006/main">
+  <p:cSld>
+    <p:spTree>
+      <p:nvGrpSpPr>
+        <p:cNvPr id="1" name=""/>
+        <p:cNvGrpSpPr/>
+        <p:nvPr/>
+      </p:nvGrpSpPr>
+      <p:grpSpPr>
+        <a:xfrm>
+          <a:off x="0" y="0"/>
+          <a:ext cx="0" cy="0"/>
+          <a:chOff x="0" y="0"/>
+          <a:chExt cx="0" cy="0"/>
+        </a:xfrm>
+      </p:grpSpPr>
+      <p:sp>
+        <p:nvSpPr>
+          <p:cNvPr id="2" name="标题 1"/>
+          <p:cNvSpPr>
+            <a:spLocks noGrp="1"/>
+          </p:cNvSpPr>
+          <p:nvPr>
+            <p:ph type="title"/>
+          </p:nvPr>
+        </p:nvSpPr>
+        <p:spPr/>
+        <p:txBody>
+          <a:bodyPr/>
+          <a:lstStyle/>
+          <a:p>
+            <a:r>
+              <a:rPr lang="zh-CN" altLang="en-US" dirty="0" smtClean="0"/>
+              <a:t>冲突处理</a:t>
+            </a:r>
+            <a:endParaRPr lang="zh-CN" altLang="en-US" dirty="0"/>
+          </a:p>
+        </p:txBody>
+      </p:sp>
+      <p:sp>
+        <p:nvSpPr>
+          <p:cNvPr id="3" name="内容占位符 2"/>
+          <p:cNvSpPr>
+            <a:spLocks noGrp="1"/>
+          </p:cNvSpPr>
+          <p:nvPr>
+            <p:ph idx="1"/>
+          </p:nvPr>
+        </p:nvSpPr>
+        <p:spPr/>
+        <p:txBody>
+          <a:bodyPr>
+            <a:normAutofit/>
+          </a:bodyPr>
+          <a:lstStyle/>
+          <a:p>
+            <a:r>
+              <a:rPr lang="zh-CN" altLang="en-US" sz="2400" dirty="0" smtClean="0"/>
+              <a:t>所有冲突处理不能违背可串行化调度</a:t>
+            </a:r>
+            <a:endParaRPr lang="en-US" altLang="zh-CN" sz="2400" dirty="0" smtClean="0"/>
+          </a:p>
+          <a:p>
+            <a:r>
+              <a:rPr lang="zh-CN" altLang="en-US" sz="2400" dirty="0"/>
+              <a:t>冲突</a:t>
+            </a:r>
+            <a:r>
+              <a:rPr lang="zh-CN" altLang="en-US" sz="2400" dirty="0" smtClean="0"/>
+              <a:t>处理策略：</a:t>
+            </a:r>
+            <a:endParaRPr lang="en-US" altLang="zh-CN" sz="2400" dirty="0" smtClean="0"/>
+          </a:p>
+          <a:p>
+            <a:pPr lvl="1"/>
+            <a:r>
+              <a:rPr lang="zh-CN" altLang="en-US" sz="2000" dirty="0"/>
+              <a:t>最近</a:t>
+            </a:r>
+            <a:r>
+              <a:rPr lang="zh-CN" altLang="en-US" sz="2000" dirty="0" smtClean="0"/>
+              <a:t>更新胜利</a:t>
+            </a:r>
+            <a:endParaRPr lang="en-US" altLang="zh-CN" sz="2000" dirty="0" smtClean="0"/>
+          </a:p>
+          <a:p>
+            <a:pPr lvl="1"/>
+            <a:r>
+              <a:rPr lang="zh-CN" altLang="en-US" sz="2000" dirty="0" smtClean="0"/>
+              <a:t>高优先级</a:t>
+            </a:r>
+            <a:r>
+              <a:rPr lang="en-US" altLang="zh-CN" sz="2000" dirty="0" smtClean="0"/>
+              <a:t>site</a:t>
+            </a:r>
+            <a:r>
+              <a:rPr lang="zh-CN" altLang="en-US" sz="2000" dirty="0" smtClean="0"/>
+              <a:t>更新胜利</a:t>
+            </a:r>
+            <a:endParaRPr lang="en-US" altLang="zh-CN" sz="2000" dirty="0" smtClean="0"/>
+          </a:p>
+          <a:p>
+            <a:pPr lvl="1"/>
+            <a:r>
+              <a:rPr lang="zh-CN" altLang="en-US" sz="2000" dirty="0"/>
+              <a:t>用户</a:t>
+            </a:r>
+            <a:r>
+              <a:rPr lang="zh-CN" altLang="en-US" sz="2000" dirty="0" smtClean="0"/>
+              <a:t>提供的冲突处理策略</a:t>
+            </a:r>
+            <a:endParaRPr lang="en-US" altLang="zh-CN" sz="2000" dirty="0" smtClean="0"/>
+          </a:p>
+          <a:p>
+            <a:pPr lvl="1"/>
+            <a:r>
+              <a:rPr lang="zh-CN" altLang="en-US" sz="2000" dirty="0"/>
+              <a:t>提醒用户</a:t>
+            </a:r>
+          </a:p>
+        </p:txBody>
+      </p:sp>
+    </p:spTree>
+    <p:extLst>
+      <p:ext uri="{BB962C8B-B14F-4D97-AF65-F5344CB8AC3E}">
+        <p14:creationId xmlns:p14="http://schemas.microsoft.com/office/powerpoint/2010/main" val="852305758"/>
+      </p:ext>
+    </p:extLst>
+  </p:cSld>
+  <p:clrMapOvr>
+    <a:masterClrMapping/>
+  </p:clrMapOvr>
+</p:sld>
+</file>
+
 <file path=ppt/slides/slide4.xml><?xml version="1.0" encoding="utf-8"?>
 <p:sld xmlns:a="http://schemas.openxmlformats.org/drawingml/2006/main" xmlns:r="http://schemas.openxmlformats.org/officeDocument/2006/relationships" xmlns:p="http://schemas.openxmlformats.org/presentationml/2006/main">
   <p:cSld>
@@ -11291,6 +15488,185 @@
     <p:extLst>
       <p:ext uri="{BB962C8B-B14F-4D97-AF65-F5344CB8AC3E}">
         <p14:creationId xmlns:p14="http://schemas.microsoft.com/office/powerpoint/2010/main" val="1245363174"/>
+      </p:ext>
+    </p:extLst>
+  </p:cSld>
+  <p:clrMapOvr>
+    <a:masterClrMapping/>
+  </p:clrMapOvr>
+</p:sld>
+</file>
+
+<file path=ppt/slides/slide40.xml><?xml version="1.0" encoding="utf-8"?>
+<p:sld xmlns:a="http://schemas.openxmlformats.org/drawingml/2006/main" xmlns:r="http://schemas.openxmlformats.org/officeDocument/2006/relationships" xmlns:p="http://schemas.openxmlformats.org/presentationml/2006/main">
+  <p:cSld>
+    <p:spTree>
+      <p:nvGrpSpPr>
+        <p:cNvPr id="1" name=""/>
+        <p:cNvGrpSpPr/>
+        <p:nvPr/>
+      </p:nvGrpSpPr>
+      <p:grpSpPr>
+        <a:xfrm>
+          <a:off x="0" y="0"/>
+          <a:ext cx="0" cy="0"/>
+          <a:chOff x="0" y="0"/>
+          <a:chExt cx="0" cy="0"/>
+        </a:xfrm>
+      </p:grpSpPr>
+      <p:sp>
+        <p:nvSpPr>
+          <p:cNvPr id="2" name="标题 1"/>
+          <p:cNvSpPr>
+            <a:spLocks noGrp="1"/>
+          </p:cNvSpPr>
+          <p:nvPr>
+            <p:ph type="title"/>
+          </p:nvPr>
+        </p:nvSpPr>
+        <p:spPr/>
+        <p:txBody>
+          <a:bodyPr/>
+          <a:lstStyle/>
+          <a:p>
+            <a:r>
+              <a:rPr lang="zh-CN" altLang="en-US" dirty="0" smtClean="0"/>
+              <a:t>过程化复制</a:t>
+            </a:r>
+            <a:endParaRPr lang="zh-CN" altLang="en-US" dirty="0"/>
+          </a:p>
+        </p:txBody>
+      </p:sp>
+      <p:sp>
+        <p:nvSpPr>
+          <p:cNvPr id="3" name="内容占位符 2"/>
+          <p:cNvSpPr>
+            <a:spLocks noGrp="1"/>
+          </p:cNvSpPr>
+          <p:nvPr>
+            <p:ph idx="1"/>
+          </p:nvPr>
+        </p:nvSpPr>
+        <p:spPr/>
+        <p:txBody>
+          <a:bodyPr>
+            <a:normAutofit/>
+          </a:bodyPr>
+          <a:lstStyle/>
+          <a:p>
+            <a:r>
+              <a:rPr lang="zh-CN" altLang="en-US" sz="2400" dirty="0" smtClean="0"/>
+              <a:t>问题：如果更新很多项，则先行传播的通信开销很大</a:t>
+            </a:r>
+            <a:endParaRPr lang="en-US" altLang="zh-CN" sz="2400" dirty="0" smtClean="0"/>
+          </a:p>
+          <a:p>
+            <a:endParaRPr lang="en-US" altLang="zh-CN" sz="2400" dirty="0"/>
+          </a:p>
+          <a:p>
+            <a:r>
+              <a:rPr lang="zh-CN" altLang="en-US" sz="2400" dirty="0" smtClean="0"/>
+              <a:t>解决方案：在副本</a:t>
+            </a:r>
+            <a:r>
+              <a:rPr lang="en-US" altLang="zh-CN" sz="2400" dirty="0" smtClean="0"/>
+              <a:t>site</a:t>
+            </a:r>
+            <a:r>
+              <a:rPr lang="zh-CN" altLang="en-US" sz="2400" dirty="0" smtClean="0"/>
+              <a:t>复制存储过程，调用每个</a:t>
+            </a:r>
+            <a:r>
+              <a:rPr lang="en-US" altLang="zh-CN" sz="2400" dirty="0" smtClean="0"/>
+              <a:t>site</a:t>
+            </a:r>
+            <a:r>
+              <a:rPr lang="zh-CN" altLang="en-US" sz="2400" dirty="0" smtClean="0"/>
+              <a:t>的过程来完成复制</a:t>
+            </a:r>
+            <a:endParaRPr lang="en-US" altLang="zh-CN" sz="2400" dirty="0"/>
+          </a:p>
+        </p:txBody>
+      </p:sp>
+    </p:spTree>
+    <p:extLst>
+      <p:ext uri="{BB962C8B-B14F-4D97-AF65-F5344CB8AC3E}">
+        <p14:creationId xmlns:p14="http://schemas.microsoft.com/office/powerpoint/2010/main" val="3634938049"/>
+      </p:ext>
+    </p:extLst>
+  </p:cSld>
+  <p:clrMapOvr>
+    <a:masterClrMapping/>
+  </p:clrMapOvr>
+</p:sld>
+</file>
+
+<file path=ppt/slides/slide41.xml><?xml version="1.0" encoding="utf-8"?>
+<p:sld xmlns:a="http://schemas.openxmlformats.org/drawingml/2006/main" xmlns:r="http://schemas.openxmlformats.org/officeDocument/2006/relationships" xmlns:p="http://schemas.openxmlformats.org/presentationml/2006/main">
+  <p:cSld>
+    <p:spTree>
+      <p:nvGrpSpPr>
+        <p:cNvPr id="1" name=""/>
+        <p:cNvGrpSpPr/>
+        <p:nvPr/>
+      </p:nvGrpSpPr>
+      <p:grpSpPr>
+        <a:xfrm>
+          <a:off x="0" y="0"/>
+          <a:ext cx="0" cy="0"/>
+          <a:chOff x="0" y="0"/>
+          <a:chExt cx="0" cy="0"/>
+        </a:xfrm>
+      </p:grpSpPr>
+      <p:sp>
+        <p:nvSpPr>
+          <p:cNvPr id="4" name="标题 3"/>
+          <p:cNvSpPr>
+            <a:spLocks noGrp="1"/>
+          </p:cNvSpPr>
+          <p:nvPr>
+            <p:ph type="title"/>
+          </p:nvPr>
+        </p:nvSpPr>
+        <p:spPr/>
+        <p:txBody>
+          <a:bodyPr>
+            <a:normAutofit/>
+          </a:bodyPr>
+          <a:lstStyle/>
+          <a:p>
+            <a:pPr algn="ctr"/>
+            <a:r>
+              <a:rPr lang="zh-CN" altLang="en-US" sz="9600" dirty="0" smtClean="0"/>
+              <a:t>谢谢！</a:t>
+            </a:r>
+            <a:endParaRPr lang="zh-CN" altLang="en-US" sz="9600" dirty="0"/>
+          </a:p>
+        </p:txBody>
+      </p:sp>
+      <p:sp>
+        <p:nvSpPr>
+          <p:cNvPr id="5" name="文本占位符 4"/>
+          <p:cNvSpPr>
+            <a:spLocks noGrp="1"/>
+          </p:cNvSpPr>
+          <p:nvPr>
+            <p:ph type="body" idx="1"/>
+          </p:nvPr>
+        </p:nvSpPr>
+        <p:spPr/>
+        <p:txBody>
+          <a:bodyPr/>
+          <a:lstStyle/>
+          <a:p>
+            <a:endParaRPr lang="zh-CN" altLang="en-US"/>
+          </a:p>
+        </p:txBody>
+      </p:sp>
+    </p:spTree>
+    <p:extLst>
+      <p:ext uri="{BB962C8B-B14F-4D97-AF65-F5344CB8AC3E}">
+        <p14:creationId xmlns:p14="http://schemas.microsoft.com/office/powerpoint/2010/main" val="301657685"/>
       </p:ext>
     </p:extLst>
   </p:cSld>
@@ -13029,12 +17405,6 @@
               </a:rPr>
               <a:t>。</a:t>
             </a:r>
-            <a:endParaRPr lang="zh-CN" altLang="en-US" sz="2400" dirty="0">
-              <a:solidFill>
-                <a:schemeClr val="tx1"/>
-              </a:solidFill>
-              <a:sym typeface="+mn-ea"/>
-            </a:endParaRPr>
           </a:p>
         </p:txBody>
       </p:sp>
